--- a/IWM/2021-03-07/colorPalette.pptx
+++ b/IWM/2021-03-07/colorPalette.pptx
@@ -7,6 +7,7 @@
   <p:sldIdLst>
     <p:sldId id="256" r:id="rId2"/>
     <p:sldId id="257" r:id="rId3"/>
+    <p:sldId id="258" r:id="rId4"/>
   </p:sldIdLst>
   <p:sldSz cx="12192000" cy="6858000"/>
   <p:notesSz cx="6858000" cy="9144000"/>
@@ -378,7 +379,7 @@
             <a:spLocks noGrp="1"/>
           </p:cNvSpPr>
           <p:nvPr>
-            <p:ph type="subTitle" idx="1" hasCustomPrompt="1"/>
+            <p:ph type="subTitle" idx="1"/>
           </p:nvPr>
         </p:nvSpPr>
         <p:spPr>
@@ -433,32 +434,6 @@
           </a:lstStyle>
           <a:p>
             <a:pPr algn="l"/>
-            <a:r>
-              <a:rPr lang="en-US" altLang="ja-JP" sz="2800" dirty="0" err="1"/>
-              <a:t>xxxxxxx</a:t>
-            </a:r>
-            <a:endParaRPr lang="en-US" altLang="ja-JP" sz="2800" dirty="0"/>
-          </a:p>
-          <a:p>
-            <a:pPr algn="l"/>
-            <a:r>
-              <a:rPr lang="en-US" altLang="ja-JP" sz="2800" dirty="0"/>
-              <a:t>Seitaro Iwama</a:t>
-            </a:r>
-          </a:p>
-          <a:p>
-            <a:pPr algn="l"/>
-            <a:r>
-              <a:rPr lang="en-US" altLang="ja-JP" sz="2800" dirty="0"/>
-              <a:t>Laboratory for Rehabilitation Neuroscience,</a:t>
-            </a:r>
-          </a:p>
-          <a:p>
-            <a:pPr algn="l"/>
-            <a:r>
-              <a:rPr lang="en-US" altLang="ja-JP" sz="2800" dirty="0"/>
-              <a:t>Graduate School of Science and Technology, Keio University.</a:t>
-            </a:r>
             <a:endParaRPr lang="ja-JP" altLang="en-US" sz="2800"/>
           </a:p>
         </p:txBody>
@@ -2148,7 +2123,7 @@
         </p:nvGrpSpPr>
         <p:grpSpPr>
           <a:xfrm>
-            <a:off x="993381" y="166862"/>
+            <a:off x="993381" y="1847879"/>
             <a:ext cx="10205238" cy="3162242"/>
             <a:chOff x="840981" y="53396"/>
             <a:chExt cx="10893804" cy="3375604"/>
@@ -4742,12 +4717,42 @@
           </p:txBody>
         </p:sp>
       </p:grpSp>
+    </p:spTree>
+    <p:extLst>
+      <p:ext uri="{BB962C8B-B14F-4D97-AF65-F5344CB8AC3E}">
+        <p14:creationId xmlns:p14="http://schemas.microsoft.com/office/powerpoint/2010/main" val="2629020713"/>
+      </p:ext>
+    </p:extLst>
+  </p:cSld>
+  <p:clrMapOvr>
+    <a:masterClrMapping/>
+  </p:clrMapOvr>
+</p:sld>
+</file>
+
+<file path=ppt/slides/slide3.xml><?xml version="1.0" encoding="utf-8"?>
+<p:sld xmlns:a="http://schemas.openxmlformats.org/drawingml/2006/main" xmlns:r="http://schemas.openxmlformats.org/officeDocument/2006/relationships" xmlns:p="http://schemas.openxmlformats.org/presentationml/2006/main">
+  <p:cSld>
+    <p:spTree>
+      <p:nvGrpSpPr>
+        <p:cNvPr id="1" name=""/>
+        <p:cNvGrpSpPr/>
+        <p:nvPr/>
+      </p:nvGrpSpPr>
+      <p:grpSpPr>
+        <a:xfrm>
+          <a:off x="0" y="0"/>
+          <a:ext cx="0" cy="0"/>
+          <a:chOff x="0" y="0"/>
+          <a:chExt cx="0" cy="0"/>
+        </a:xfrm>
+      </p:grpSpPr>
       <p:grpSp>
         <p:nvGrpSpPr>
-          <p:cNvPr id="142" name="Group 141">
+          <p:cNvPr id="2" name="Group 1">
             <a:extLst>
               <a:ext uri="{FF2B5EF4-FFF2-40B4-BE49-F238E27FC236}">
-                <a16:creationId xmlns:a16="http://schemas.microsoft.com/office/drawing/2014/main" id="{DE22DF99-A305-BB4A-897B-756FE6312AE1}"/>
+                <a16:creationId xmlns:a16="http://schemas.microsoft.com/office/drawing/2014/main" id="{1330CB3E-9E7B-8840-B05F-AF865B4E9611}"/>
               </a:ext>
             </a:extLst>
           </p:cNvPr>
@@ -4756,7 +4761,7 @@
         </p:nvGrpSpPr>
         <p:grpSpPr>
           <a:xfrm>
-            <a:off x="993381" y="3528897"/>
+            <a:off x="993381" y="1847879"/>
             <a:ext cx="10205238" cy="3162242"/>
             <a:chOff x="840981" y="53396"/>
             <a:chExt cx="10893804" cy="3375604"/>
@@ -4764,10 +4769,10 @@
         </p:grpSpPr>
         <p:grpSp>
           <p:nvGrpSpPr>
-            <p:cNvPr id="143" name="Group 142">
+            <p:cNvPr id="3" name="Group 2">
               <a:extLst>
                 <a:ext uri="{FF2B5EF4-FFF2-40B4-BE49-F238E27FC236}">
-                  <a16:creationId xmlns:a16="http://schemas.microsoft.com/office/drawing/2014/main" id="{F9B1947B-E8AA-3041-9CAF-AA2B03715CB6}"/>
+                  <a16:creationId xmlns:a16="http://schemas.microsoft.com/office/drawing/2014/main" id="{C199E1A2-2594-EC43-A4CD-FE60F0A02EFA}"/>
                 </a:ext>
               </a:extLst>
             </p:cNvPr>
@@ -4784,10 +4789,10 @@
           </p:grpSpPr>
           <p:sp>
             <p:nvSpPr>
-              <p:cNvPr id="180" name="Rectangle 179">
+              <p:cNvPr id="40" name="Rectangle 39">
                 <a:extLst>
                   <a:ext uri="{FF2B5EF4-FFF2-40B4-BE49-F238E27FC236}">
-                    <a16:creationId xmlns:a16="http://schemas.microsoft.com/office/drawing/2014/main" id="{EC6CED33-6446-7A4E-BA82-7BC7FE8BB430}"/>
+                    <a16:creationId xmlns:a16="http://schemas.microsoft.com/office/drawing/2014/main" id="{74964AE7-57CD-394B-8B52-86CC0C899B78}"/>
                   </a:ext>
                 </a:extLst>
               </p:cNvPr>
@@ -4840,10 +4845,10 @@
           </p:sp>
           <p:sp>
             <p:nvSpPr>
-              <p:cNvPr id="181" name="Rectangle 180">
+              <p:cNvPr id="41" name="Rectangle 40">
                 <a:extLst>
                   <a:ext uri="{FF2B5EF4-FFF2-40B4-BE49-F238E27FC236}">
-                    <a16:creationId xmlns:a16="http://schemas.microsoft.com/office/drawing/2014/main" id="{56401D43-16D4-3C4E-9E13-E27844957286}"/>
+                    <a16:creationId xmlns:a16="http://schemas.microsoft.com/office/drawing/2014/main" id="{9A4DC143-DC65-294C-8505-475C707506E1}"/>
                   </a:ext>
                 </a:extLst>
               </p:cNvPr>
@@ -4902,10 +4907,10 @@
           </p:sp>
           <p:sp>
             <p:nvSpPr>
-              <p:cNvPr id="182" name="Rectangle 181">
+              <p:cNvPr id="42" name="Rectangle 41">
                 <a:extLst>
                   <a:ext uri="{FF2B5EF4-FFF2-40B4-BE49-F238E27FC236}">
-                    <a16:creationId xmlns:a16="http://schemas.microsoft.com/office/drawing/2014/main" id="{D4C33C27-1A0A-BB47-926F-D1E19354A78D}"/>
+                    <a16:creationId xmlns:a16="http://schemas.microsoft.com/office/drawing/2014/main" id="{91814468-CAEF-374D-8754-92E29B17A17A}"/>
                   </a:ext>
                 </a:extLst>
               </p:cNvPr>
@@ -4964,10 +4969,10 @@
           </p:sp>
           <p:sp>
             <p:nvSpPr>
-              <p:cNvPr id="183" name="Rectangle 182">
+              <p:cNvPr id="43" name="Rectangle 42">
                 <a:extLst>
                   <a:ext uri="{FF2B5EF4-FFF2-40B4-BE49-F238E27FC236}">
-                    <a16:creationId xmlns:a16="http://schemas.microsoft.com/office/drawing/2014/main" id="{25900C32-994E-2E49-9DCE-92A51118AFBF}"/>
+                    <a16:creationId xmlns:a16="http://schemas.microsoft.com/office/drawing/2014/main" id="{ED856183-BF99-834A-BEDE-7A53FE944FCC}"/>
                   </a:ext>
                 </a:extLst>
               </p:cNvPr>
@@ -5026,10 +5031,10 @@
           </p:sp>
           <p:sp>
             <p:nvSpPr>
-              <p:cNvPr id="184" name="Rectangle 183">
+              <p:cNvPr id="44" name="Rectangle 43">
                 <a:extLst>
                   <a:ext uri="{FF2B5EF4-FFF2-40B4-BE49-F238E27FC236}">
-                    <a16:creationId xmlns:a16="http://schemas.microsoft.com/office/drawing/2014/main" id="{8DD2EB03-6126-184A-B519-252FB6146405}"/>
+                    <a16:creationId xmlns:a16="http://schemas.microsoft.com/office/drawing/2014/main" id="{D2C71531-5197-A04C-A35B-D132600A4784}"/>
                   </a:ext>
                 </a:extLst>
               </p:cNvPr>
@@ -5087,10 +5092,10 @@
           </p:sp>
           <p:sp>
             <p:nvSpPr>
-              <p:cNvPr id="185" name="Rectangle 184">
+              <p:cNvPr id="45" name="Rectangle 44">
                 <a:extLst>
                   <a:ext uri="{FF2B5EF4-FFF2-40B4-BE49-F238E27FC236}">
-                    <a16:creationId xmlns:a16="http://schemas.microsoft.com/office/drawing/2014/main" id="{E9C73F3F-6F88-774C-8875-C5BB1E122A19}"/>
+                    <a16:creationId xmlns:a16="http://schemas.microsoft.com/office/drawing/2014/main" id="{A90E093A-5089-4341-BA6D-431308F1E8C7}"/>
                   </a:ext>
                 </a:extLst>
               </p:cNvPr>
@@ -5149,10 +5154,10 @@
         </p:grpSp>
         <p:sp>
           <p:nvSpPr>
-            <p:cNvPr id="144" name="Rectangle 143">
+            <p:cNvPr id="4" name="Rectangle 3">
               <a:extLst>
                 <a:ext uri="{FF2B5EF4-FFF2-40B4-BE49-F238E27FC236}">
-                  <a16:creationId xmlns:a16="http://schemas.microsoft.com/office/drawing/2014/main" id="{CA868347-8DFC-9E40-A310-DC011BF8C995}"/>
+                  <a16:creationId xmlns:a16="http://schemas.microsoft.com/office/drawing/2014/main" id="{79FEF144-920A-554F-8E29-FB15D1E476FC}"/>
                 </a:ext>
               </a:extLst>
             </p:cNvPr>
@@ -5208,10 +5213,10 @@
         </p:sp>
         <p:sp>
           <p:nvSpPr>
-            <p:cNvPr id="145" name="Rectangle 144">
+            <p:cNvPr id="5" name="Rectangle 4">
               <a:extLst>
                 <a:ext uri="{FF2B5EF4-FFF2-40B4-BE49-F238E27FC236}">
-                  <a16:creationId xmlns:a16="http://schemas.microsoft.com/office/drawing/2014/main" id="{DB102F57-4525-6542-BF43-CCA47E7DBA50}"/>
+                  <a16:creationId xmlns:a16="http://schemas.microsoft.com/office/drawing/2014/main" id="{39854DA7-41FC-D540-87C8-E692C4CFD22F}"/>
                 </a:ext>
               </a:extLst>
             </p:cNvPr>
@@ -5270,10 +5275,10 @@
         </p:sp>
         <p:sp>
           <p:nvSpPr>
-            <p:cNvPr id="146" name="Rectangle 145">
+            <p:cNvPr id="6" name="Rectangle 5">
               <a:extLst>
                 <a:ext uri="{FF2B5EF4-FFF2-40B4-BE49-F238E27FC236}">
-                  <a16:creationId xmlns:a16="http://schemas.microsoft.com/office/drawing/2014/main" id="{68FF0A09-ACCB-A447-938B-41788AE7F777}"/>
+                  <a16:creationId xmlns:a16="http://schemas.microsoft.com/office/drawing/2014/main" id="{138735DE-A5AD-1C4C-90C9-6179D39643E5}"/>
                 </a:ext>
               </a:extLst>
             </p:cNvPr>
@@ -5332,10 +5337,10 @@
         </p:sp>
         <p:sp>
           <p:nvSpPr>
-            <p:cNvPr id="147" name="Rectangle 146">
+            <p:cNvPr id="7" name="Rectangle 6">
               <a:extLst>
                 <a:ext uri="{FF2B5EF4-FFF2-40B4-BE49-F238E27FC236}">
-                  <a16:creationId xmlns:a16="http://schemas.microsoft.com/office/drawing/2014/main" id="{B71A1B59-96CC-6446-B437-BDFB3564F495}"/>
+                  <a16:creationId xmlns:a16="http://schemas.microsoft.com/office/drawing/2014/main" id="{94BE6544-C77F-874B-9951-251F595D6499}"/>
                 </a:ext>
               </a:extLst>
             </p:cNvPr>
@@ -5394,10 +5399,10 @@
         </p:sp>
         <p:sp>
           <p:nvSpPr>
-            <p:cNvPr id="148" name="Rectangle 147">
+            <p:cNvPr id="8" name="Rectangle 7">
               <a:extLst>
                 <a:ext uri="{FF2B5EF4-FFF2-40B4-BE49-F238E27FC236}">
-                  <a16:creationId xmlns:a16="http://schemas.microsoft.com/office/drawing/2014/main" id="{4F3B7110-673C-0449-806B-9D201FDDCC7F}"/>
+                  <a16:creationId xmlns:a16="http://schemas.microsoft.com/office/drawing/2014/main" id="{B67CB7A2-0DF3-A240-B360-4A63F0BCDA6A}"/>
                 </a:ext>
               </a:extLst>
             </p:cNvPr>
@@ -5455,10 +5460,10 @@
         </p:sp>
         <p:sp>
           <p:nvSpPr>
-            <p:cNvPr id="149" name="Rectangle 148">
+            <p:cNvPr id="9" name="Rectangle 8">
               <a:extLst>
                 <a:ext uri="{FF2B5EF4-FFF2-40B4-BE49-F238E27FC236}">
-                  <a16:creationId xmlns:a16="http://schemas.microsoft.com/office/drawing/2014/main" id="{CD102EC7-2EB6-9F49-91DA-BC5CAF597EE9}"/>
+                  <a16:creationId xmlns:a16="http://schemas.microsoft.com/office/drawing/2014/main" id="{72B2F93D-4C46-2442-A0B5-687F283883A2}"/>
                 </a:ext>
               </a:extLst>
             </p:cNvPr>
@@ -5516,10 +5521,10 @@
         </p:sp>
         <p:sp>
           <p:nvSpPr>
-            <p:cNvPr id="150" name="Rectangle 149">
+            <p:cNvPr id="10" name="Rectangle 9">
               <a:extLst>
                 <a:ext uri="{FF2B5EF4-FFF2-40B4-BE49-F238E27FC236}">
-                  <a16:creationId xmlns:a16="http://schemas.microsoft.com/office/drawing/2014/main" id="{05D22CE8-9065-4147-9E4E-D6FA311500B1}"/>
+                  <a16:creationId xmlns:a16="http://schemas.microsoft.com/office/drawing/2014/main" id="{64A2C38F-0AC1-A243-AEC5-115083B8D246}"/>
                 </a:ext>
               </a:extLst>
             </p:cNvPr>
@@ -5575,10 +5580,10 @@
         </p:sp>
         <p:sp>
           <p:nvSpPr>
-            <p:cNvPr id="151" name="Rectangle 150">
+            <p:cNvPr id="11" name="Rectangle 10">
               <a:extLst>
                 <a:ext uri="{FF2B5EF4-FFF2-40B4-BE49-F238E27FC236}">
-                  <a16:creationId xmlns:a16="http://schemas.microsoft.com/office/drawing/2014/main" id="{69BCAD1B-5F89-5541-B46D-0E3B3684F185}"/>
+                  <a16:creationId xmlns:a16="http://schemas.microsoft.com/office/drawing/2014/main" id="{C80270D5-FC4F-6B4A-9452-80FB7EF1015F}"/>
                 </a:ext>
               </a:extLst>
             </p:cNvPr>
@@ -5637,10 +5642,10 @@
         </p:sp>
         <p:sp>
           <p:nvSpPr>
-            <p:cNvPr id="152" name="Rectangle 151">
+            <p:cNvPr id="12" name="Rectangle 11">
               <a:extLst>
                 <a:ext uri="{FF2B5EF4-FFF2-40B4-BE49-F238E27FC236}">
-                  <a16:creationId xmlns:a16="http://schemas.microsoft.com/office/drawing/2014/main" id="{7FCB386A-004C-FF43-ADF1-299BBBC5268A}"/>
+                  <a16:creationId xmlns:a16="http://schemas.microsoft.com/office/drawing/2014/main" id="{9133727D-5732-AD48-AAE3-F39086E43C27}"/>
                 </a:ext>
               </a:extLst>
             </p:cNvPr>
@@ -5699,10 +5704,10 @@
         </p:sp>
         <p:sp>
           <p:nvSpPr>
-            <p:cNvPr id="153" name="Rectangle 152">
+            <p:cNvPr id="13" name="Rectangle 12">
               <a:extLst>
                 <a:ext uri="{FF2B5EF4-FFF2-40B4-BE49-F238E27FC236}">
-                  <a16:creationId xmlns:a16="http://schemas.microsoft.com/office/drawing/2014/main" id="{EF52964D-2B1B-6D4F-86D5-0DDAF98E465E}"/>
+                  <a16:creationId xmlns:a16="http://schemas.microsoft.com/office/drawing/2014/main" id="{4303FE61-9CB1-FB4C-96BD-89C253C425C6}"/>
                 </a:ext>
               </a:extLst>
             </p:cNvPr>
@@ -5761,10 +5766,10 @@
         </p:sp>
         <p:sp>
           <p:nvSpPr>
-            <p:cNvPr id="154" name="Rectangle 153">
+            <p:cNvPr id="14" name="Rectangle 13">
               <a:extLst>
                 <a:ext uri="{FF2B5EF4-FFF2-40B4-BE49-F238E27FC236}">
-                  <a16:creationId xmlns:a16="http://schemas.microsoft.com/office/drawing/2014/main" id="{426E7405-F65E-5647-9EC0-E4A55A620B12}"/>
+                  <a16:creationId xmlns:a16="http://schemas.microsoft.com/office/drawing/2014/main" id="{8E6D788F-D213-F141-88DF-E94EF8E145A4}"/>
                 </a:ext>
               </a:extLst>
             </p:cNvPr>
@@ -5822,10 +5827,10 @@
         </p:sp>
         <p:sp>
           <p:nvSpPr>
-            <p:cNvPr id="155" name="Rectangle 154">
+            <p:cNvPr id="15" name="Rectangle 14">
               <a:extLst>
                 <a:ext uri="{FF2B5EF4-FFF2-40B4-BE49-F238E27FC236}">
-                  <a16:creationId xmlns:a16="http://schemas.microsoft.com/office/drawing/2014/main" id="{6EAE7255-A872-E24B-B39B-DC026BEF49BF}"/>
+                  <a16:creationId xmlns:a16="http://schemas.microsoft.com/office/drawing/2014/main" id="{E8C2EB83-092E-7349-B47B-376F3BF89FD9}"/>
                 </a:ext>
               </a:extLst>
             </p:cNvPr>
@@ -5883,10 +5888,10 @@
         </p:sp>
         <p:sp>
           <p:nvSpPr>
-            <p:cNvPr id="156" name="Rectangle 155">
+            <p:cNvPr id="16" name="Rectangle 15">
               <a:extLst>
                 <a:ext uri="{FF2B5EF4-FFF2-40B4-BE49-F238E27FC236}">
-                  <a16:creationId xmlns:a16="http://schemas.microsoft.com/office/drawing/2014/main" id="{8DF03354-AF80-2342-AF8E-AF31F720FB0B}"/>
+                  <a16:creationId xmlns:a16="http://schemas.microsoft.com/office/drawing/2014/main" id="{FC79FCE5-D1B8-6C48-975F-F725C3CE5DDE}"/>
                 </a:ext>
               </a:extLst>
             </p:cNvPr>
@@ -5942,10 +5947,10 @@
         </p:sp>
         <p:sp>
           <p:nvSpPr>
-            <p:cNvPr id="157" name="Rectangle 156">
+            <p:cNvPr id="17" name="Rectangle 16">
               <a:extLst>
                 <a:ext uri="{FF2B5EF4-FFF2-40B4-BE49-F238E27FC236}">
-                  <a16:creationId xmlns:a16="http://schemas.microsoft.com/office/drawing/2014/main" id="{8F7B55E8-0CA9-6D44-938F-87207D4503A7}"/>
+                  <a16:creationId xmlns:a16="http://schemas.microsoft.com/office/drawing/2014/main" id="{F6B2AF9D-5CBF-3049-9B93-2F660CE4AEC8}"/>
                 </a:ext>
               </a:extLst>
             </p:cNvPr>
@@ -6004,10 +6009,10 @@
         </p:sp>
         <p:sp>
           <p:nvSpPr>
-            <p:cNvPr id="158" name="Rectangle 157">
+            <p:cNvPr id="18" name="Rectangle 17">
               <a:extLst>
                 <a:ext uri="{FF2B5EF4-FFF2-40B4-BE49-F238E27FC236}">
-                  <a16:creationId xmlns:a16="http://schemas.microsoft.com/office/drawing/2014/main" id="{84A75558-8D15-C74D-9075-6DBDE989E049}"/>
+                  <a16:creationId xmlns:a16="http://schemas.microsoft.com/office/drawing/2014/main" id="{7F98070D-13ED-7E47-B4BE-C164B82AAF23}"/>
                 </a:ext>
               </a:extLst>
             </p:cNvPr>
@@ -6066,10 +6071,10 @@
         </p:sp>
         <p:sp>
           <p:nvSpPr>
-            <p:cNvPr id="159" name="Rectangle 158">
+            <p:cNvPr id="19" name="Rectangle 18">
               <a:extLst>
                 <a:ext uri="{FF2B5EF4-FFF2-40B4-BE49-F238E27FC236}">
-                  <a16:creationId xmlns:a16="http://schemas.microsoft.com/office/drawing/2014/main" id="{CBACC451-38A7-A149-ADC2-25CA50962884}"/>
+                  <a16:creationId xmlns:a16="http://schemas.microsoft.com/office/drawing/2014/main" id="{8A5100EE-6DF1-564B-9576-F8A103C6DD64}"/>
                 </a:ext>
               </a:extLst>
             </p:cNvPr>
@@ -6128,10 +6133,10 @@
         </p:sp>
         <p:sp>
           <p:nvSpPr>
-            <p:cNvPr id="160" name="Rectangle 159">
+            <p:cNvPr id="20" name="Rectangle 19">
               <a:extLst>
                 <a:ext uri="{FF2B5EF4-FFF2-40B4-BE49-F238E27FC236}">
-                  <a16:creationId xmlns:a16="http://schemas.microsoft.com/office/drawing/2014/main" id="{87AB34EF-B44E-8B4F-BF84-65A04637D814}"/>
+                  <a16:creationId xmlns:a16="http://schemas.microsoft.com/office/drawing/2014/main" id="{7EF9FBCB-87B2-8141-AF11-0FD60EE4AD4E}"/>
                 </a:ext>
               </a:extLst>
             </p:cNvPr>
@@ -6189,10 +6194,10 @@
         </p:sp>
         <p:sp>
           <p:nvSpPr>
-            <p:cNvPr id="161" name="Rectangle 160">
+            <p:cNvPr id="21" name="Rectangle 20">
               <a:extLst>
                 <a:ext uri="{FF2B5EF4-FFF2-40B4-BE49-F238E27FC236}">
-                  <a16:creationId xmlns:a16="http://schemas.microsoft.com/office/drawing/2014/main" id="{5D97F41D-B55A-8643-A9E1-9CA46FDBF278}"/>
+                  <a16:creationId xmlns:a16="http://schemas.microsoft.com/office/drawing/2014/main" id="{0331D4CA-2A30-7B4C-9250-A4A4ECF39E84}"/>
                 </a:ext>
               </a:extLst>
             </p:cNvPr>
@@ -6250,10 +6255,10 @@
         </p:sp>
         <p:sp>
           <p:nvSpPr>
-            <p:cNvPr id="162" name="Rectangle 161">
+            <p:cNvPr id="22" name="Rectangle 21">
               <a:extLst>
                 <a:ext uri="{FF2B5EF4-FFF2-40B4-BE49-F238E27FC236}">
-                  <a16:creationId xmlns:a16="http://schemas.microsoft.com/office/drawing/2014/main" id="{B8A3D9EF-3189-444B-B28B-CE20409E557D}"/>
+                  <a16:creationId xmlns:a16="http://schemas.microsoft.com/office/drawing/2014/main" id="{49D78D3D-14F6-1B4A-A828-BB5B2020587A}"/>
                 </a:ext>
               </a:extLst>
             </p:cNvPr>
@@ -6309,10 +6314,10 @@
         </p:sp>
         <p:sp>
           <p:nvSpPr>
-            <p:cNvPr id="163" name="Rectangle 162">
+            <p:cNvPr id="23" name="Rectangle 22">
               <a:extLst>
                 <a:ext uri="{FF2B5EF4-FFF2-40B4-BE49-F238E27FC236}">
-                  <a16:creationId xmlns:a16="http://schemas.microsoft.com/office/drawing/2014/main" id="{EE39540D-54CB-2444-86F2-0C0E8EE70898}"/>
+                  <a16:creationId xmlns:a16="http://schemas.microsoft.com/office/drawing/2014/main" id="{989AFC23-C612-5F4B-9FDB-8906B27E81CC}"/>
                 </a:ext>
               </a:extLst>
             </p:cNvPr>
@@ -6371,10 +6376,10 @@
         </p:sp>
         <p:sp>
           <p:nvSpPr>
-            <p:cNvPr id="164" name="Rectangle 163">
+            <p:cNvPr id="24" name="Rectangle 23">
               <a:extLst>
                 <a:ext uri="{FF2B5EF4-FFF2-40B4-BE49-F238E27FC236}">
-                  <a16:creationId xmlns:a16="http://schemas.microsoft.com/office/drawing/2014/main" id="{40631DA5-E5DE-BD49-A023-6310E7AC700E}"/>
+                  <a16:creationId xmlns:a16="http://schemas.microsoft.com/office/drawing/2014/main" id="{5D1FFF6F-AF95-814C-8CC7-D43EE4C284DF}"/>
                 </a:ext>
               </a:extLst>
             </p:cNvPr>
@@ -6433,10 +6438,10 @@
         </p:sp>
         <p:sp>
           <p:nvSpPr>
-            <p:cNvPr id="165" name="Rectangle 164">
+            <p:cNvPr id="25" name="Rectangle 24">
               <a:extLst>
                 <a:ext uri="{FF2B5EF4-FFF2-40B4-BE49-F238E27FC236}">
-                  <a16:creationId xmlns:a16="http://schemas.microsoft.com/office/drawing/2014/main" id="{863045E1-680B-1D48-ADB7-F8162167F53D}"/>
+                  <a16:creationId xmlns:a16="http://schemas.microsoft.com/office/drawing/2014/main" id="{22FA6016-4672-8043-A520-DC0612AD5AE9}"/>
                 </a:ext>
               </a:extLst>
             </p:cNvPr>
@@ -6495,10 +6500,10 @@
         </p:sp>
         <p:sp>
           <p:nvSpPr>
-            <p:cNvPr id="166" name="Rectangle 165">
+            <p:cNvPr id="26" name="Rectangle 25">
               <a:extLst>
                 <a:ext uri="{FF2B5EF4-FFF2-40B4-BE49-F238E27FC236}">
-                  <a16:creationId xmlns:a16="http://schemas.microsoft.com/office/drawing/2014/main" id="{EB25E130-2C2D-7943-9CB3-CC541B7D4D06}"/>
+                  <a16:creationId xmlns:a16="http://schemas.microsoft.com/office/drawing/2014/main" id="{FD820107-A585-2848-914C-6A1AC7ADF00F}"/>
                 </a:ext>
               </a:extLst>
             </p:cNvPr>
@@ -6556,10 +6561,10 @@
         </p:sp>
         <p:sp>
           <p:nvSpPr>
-            <p:cNvPr id="167" name="Rectangle 166">
+            <p:cNvPr id="27" name="Rectangle 26">
               <a:extLst>
                 <a:ext uri="{FF2B5EF4-FFF2-40B4-BE49-F238E27FC236}">
-                  <a16:creationId xmlns:a16="http://schemas.microsoft.com/office/drawing/2014/main" id="{4AE42883-0544-304A-97CD-B812EB461872}"/>
+                  <a16:creationId xmlns:a16="http://schemas.microsoft.com/office/drawing/2014/main" id="{69FFACE4-9A3E-6C4A-AE09-7F3F725097ED}"/>
                 </a:ext>
               </a:extLst>
             </p:cNvPr>
@@ -6617,10 +6622,10 @@
         </p:sp>
         <p:sp>
           <p:nvSpPr>
-            <p:cNvPr id="168" name="Rectangle 167">
+            <p:cNvPr id="28" name="Rectangle 27">
               <a:extLst>
                 <a:ext uri="{FF2B5EF4-FFF2-40B4-BE49-F238E27FC236}">
-                  <a16:creationId xmlns:a16="http://schemas.microsoft.com/office/drawing/2014/main" id="{06948735-3E8E-2344-82BB-55F2E626D0E1}"/>
+                  <a16:creationId xmlns:a16="http://schemas.microsoft.com/office/drawing/2014/main" id="{ECEB439C-5A70-454D-B8BC-8344E153A9FC}"/>
                 </a:ext>
               </a:extLst>
             </p:cNvPr>
@@ -6676,10 +6681,10 @@
         </p:sp>
         <p:sp>
           <p:nvSpPr>
-            <p:cNvPr id="169" name="Rectangle 168">
+            <p:cNvPr id="29" name="Rectangle 28">
               <a:extLst>
                 <a:ext uri="{FF2B5EF4-FFF2-40B4-BE49-F238E27FC236}">
-                  <a16:creationId xmlns:a16="http://schemas.microsoft.com/office/drawing/2014/main" id="{5225AF02-081D-7442-996A-B913179B3B14}"/>
+                  <a16:creationId xmlns:a16="http://schemas.microsoft.com/office/drawing/2014/main" id="{B9518939-1F7B-D648-B9FA-AFDC0A966948}"/>
                 </a:ext>
               </a:extLst>
             </p:cNvPr>
@@ -6738,10 +6743,10 @@
         </p:sp>
         <p:sp>
           <p:nvSpPr>
-            <p:cNvPr id="170" name="Rectangle 169">
+            <p:cNvPr id="30" name="Rectangle 29">
               <a:extLst>
                 <a:ext uri="{FF2B5EF4-FFF2-40B4-BE49-F238E27FC236}">
-                  <a16:creationId xmlns:a16="http://schemas.microsoft.com/office/drawing/2014/main" id="{53899596-CC40-A547-9346-4F3E2D72193E}"/>
+                  <a16:creationId xmlns:a16="http://schemas.microsoft.com/office/drawing/2014/main" id="{8CA20B13-D20D-1B44-9749-BC5E8BCEEAE9}"/>
                 </a:ext>
               </a:extLst>
             </p:cNvPr>
@@ -6800,10 +6805,10 @@
         </p:sp>
         <p:sp>
           <p:nvSpPr>
-            <p:cNvPr id="171" name="Rectangle 170">
+            <p:cNvPr id="31" name="Rectangle 30">
               <a:extLst>
                 <a:ext uri="{FF2B5EF4-FFF2-40B4-BE49-F238E27FC236}">
-                  <a16:creationId xmlns:a16="http://schemas.microsoft.com/office/drawing/2014/main" id="{DEA22B32-5AB4-9B4E-A313-10083FDE6547}"/>
+                  <a16:creationId xmlns:a16="http://schemas.microsoft.com/office/drawing/2014/main" id="{19329DD6-38F0-A441-8F40-72D8C8C99E25}"/>
                 </a:ext>
               </a:extLst>
             </p:cNvPr>
@@ -6862,10 +6867,10 @@
         </p:sp>
         <p:sp>
           <p:nvSpPr>
-            <p:cNvPr id="172" name="Rectangle 171">
+            <p:cNvPr id="32" name="Rectangle 31">
               <a:extLst>
                 <a:ext uri="{FF2B5EF4-FFF2-40B4-BE49-F238E27FC236}">
-                  <a16:creationId xmlns:a16="http://schemas.microsoft.com/office/drawing/2014/main" id="{15999ADD-564B-4A44-9DB2-19FA18D603A6}"/>
+                  <a16:creationId xmlns:a16="http://schemas.microsoft.com/office/drawing/2014/main" id="{EC6C673B-6476-7B48-ADA8-757FDC332296}"/>
                 </a:ext>
               </a:extLst>
             </p:cNvPr>
@@ -6923,10 +6928,10 @@
         </p:sp>
         <p:sp>
           <p:nvSpPr>
-            <p:cNvPr id="173" name="Rectangle 172">
+            <p:cNvPr id="33" name="Rectangle 32">
               <a:extLst>
                 <a:ext uri="{FF2B5EF4-FFF2-40B4-BE49-F238E27FC236}">
-                  <a16:creationId xmlns:a16="http://schemas.microsoft.com/office/drawing/2014/main" id="{3C490005-AEB3-3E43-9CC2-9C3BCC5E3334}"/>
+                  <a16:creationId xmlns:a16="http://schemas.microsoft.com/office/drawing/2014/main" id="{67A16954-7F08-6349-B80C-009566873D22}"/>
                 </a:ext>
               </a:extLst>
             </p:cNvPr>
@@ -6984,10 +6989,10 @@
         </p:sp>
         <p:sp>
           <p:nvSpPr>
-            <p:cNvPr id="174" name="Rectangle 173">
+            <p:cNvPr id="34" name="Rectangle 33">
               <a:extLst>
                 <a:ext uri="{FF2B5EF4-FFF2-40B4-BE49-F238E27FC236}">
-                  <a16:creationId xmlns:a16="http://schemas.microsoft.com/office/drawing/2014/main" id="{F588AF73-EE6F-174F-B494-E749E8AF673B}"/>
+                  <a16:creationId xmlns:a16="http://schemas.microsoft.com/office/drawing/2014/main" id="{19F03EBF-7073-F54B-81B2-D44D44826479}"/>
                 </a:ext>
               </a:extLst>
             </p:cNvPr>
@@ -7043,10 +7048,10 @@
         </p:sp>
         <p:sp>
           <p:nvSpPr>
-            <p:cNvPr id="175" name="Rectangle 174">
+            <p:cNvPr id="35" name="Rectangle 34">
               <a:extLst>
                 <a:ext uri="{FF2B5EF4-FFF2-40B4-BE49-F238E27FC236}">
-                  <a16:creationId xmlns:a16="http://schemas.microsoft.com/office/drawing/2014/main" id="{D3A4B6D6-2D53-214F-8C50-86BEB290AD0B}"/>
+                  <a16:creationId xmlns:a16="http://schemas.microsoft.com/office/drawing/2014/main" id="{55390BA3-B06B-A448-B3D9-DFF2BB1273E3}"/>
                 </a:ext>
               </a:extLst>
             </p:cNvPr>
@@ -7105,10 +7110,10 @@
         </p:sp>
         <p:sp>
           <p:nvSpPr>
-            <p:cNvPr id="176" name="Rectangle 175">
+            <p:cNvPr id="36" name="Rectangle 35">
               <a:extLst>
                 <a:ext uri="{FF2B5EF4-FFF2-40B4-BE49-F238E27FC236}">
-                  <a16:creationId xmlns:a16="http://schemas.microsoft.com/office/drawing/2014/main" id="{7A13B13C-C5F8-3F48-82EB-25207385B18C}"/>
+                  <a16:creationId xmlns:a16="http://schemas.microsoft.com/office/drawing/2014/main" id="{684A1D2D-C830-E94A-A933-E9A0BEC583DC}"/>
                 </a:ext>
               </a:extLst>
             </p:cNvPr>
@@ -7167,10 +7172,10 @@
         </p:sp>
         <p:sp>
           <p:nvSpPr>
-            <p:cNvPr id="177" name="Rectangle 176">
+            <p:cNvPr id="37" name="Rectangle 36">
               <a:extLst>
                 <a:ext uri="{FF2B5EF4-FFF2-40B4-BE49-F238E27FC236}">
-                  <a16:creationId xmlns:a16="http://schemas.microsoft.com/office/drawing/2014/main" id="{89D41F4C-E36A-0D46-B5F4-0F6B4EC3E974}"/>
+                  <a16:creationId xmlns:a16="http://schemas.microsoft.com/office/drawing/2014/main" id="{3E9C0465-3505-BF41-B93B-F139E0F4864E}"/>
                 </a:ext>
               </a:extLst>
             </p:cNvPr>
@@ -7229,10 +7234,10 @@
         </p:sp>
         <p:sp>
           <p:nvSpPr>
-            <p:cNvPr id="178" name="Rectangle 177">
+            <p:cNvPr id="38" name="Rectangle 37">
               <a:extLst>
                 <a:ext uri="{FF2B5EF4-FFF2-40B4-BE49-F238E27FC236}">
-                  <a16:creationId xmlns:a16="http://schemas.microsoft.com/office/drawing/2014/main" id="{DC6EDC5F-E403-2C4E-909D-CE20E6B9C247}"/>
+                  <a16:creationId xmlns:a16="http://schemas.microsoft.com/office/drawing/2014/main" id="{B97294B3-969F-C34D-ACDD-EEE23925DEF1}"/>
                 </a:ext>
               </a:extLst>
             </p:cNvPr>
@@ -7290,10 +7295,10 @@
         </p:sp>
         <p:sp>
           <p:nvSpPr>
-            <p:cNvPr id="179" name="Rectangle 178">
+            <p:cNvPr id="39" name="Rectangle 38">
               <a:extLst>
                 <a:ext uri="{FF2B5EF4-FFF2-40B4-BE49-F238E27FC236}">
-                  <a16:creationId xmlns:a16="http://schemas.microsoft.com/office/drawing/2014/main" id="{8F28419D-9600-C842-B13F-32D37A688E01}"/>
+                  <a16:creationId xmlns:a16="http://schemas.microsoft.com/office/drawing/2014/main" id="{A906BA75-5FD7-5443-B5CA-7649AADAE2F4}"/>
                 </a:ext>
               </a:extLst>
             </p:cNvPr>
@@ -7353,7 +7358,7 @@
     </p:spTree>
     <p:extLst>
       <p:ext uri="{BB962C8B-B14F-4D97-AF65-F5344CB8AC3E}">
-        <p14:creationId xmlns:p14="http://schemas.microsoft.com/office/powerpoint/2010/main" val="2629020713"/>
+        <p14:creationId xmlns:p14="http://schemas.microsoft.com/office/powerpoint/2010/main" val="2927658067"/>
       </p:ext>
     </p:extLst>
   </p:cSld>

--- a/IWM/2021-03-07/colorPalette.pptx
+++ b/IWM/2021-03-07/colorPalette.pptx
@@ -6,8 +6,11 @@
   </p:sldMasterIdLst>
   <p:sldIdLst>
     <p:sldId id="256" r:id="rId2"/>
-    <p:sldId id="257" r:id="rId3"/>
-    <p:sldId id="258" r:id="rId4"/>
+    <p:sldId id="262" r:id="rId3"/>
+    <p:sldId id="257" r:id="rId4"/>
+    <p:sldId id="258" r:id="rId5"/>
+    <p:sldId id="259" r:id="rId6"/>
+    <p:sldId id="261" r:id="rId7"/>
   </p:sldIdLst>
   <p:sldSz cx="12192000" cy="6858000"/>
   <p:notesSz cx="6858000" cy="9144000"/>
@@ -1467,6 +1470,382 @@
 </p:sldLayout>
 </file>
 
+<file path=ppt/slideLayouts/slideLayout8.xml><?xml version="1.0" encoding="utf-8"?>
+<p:sldLayout xmlns:a="http://schemas.openxmlformats.org/drawingml/2006/main" xmlns:r="http://schemas.openxmlformats.org/officeDocument/2006/relationships" xmlns:p="http://schemas.openxmlformats.org/presentationml/2006/main" preserve="1" userDrawn="1">
+  <p:cSld name="Custom Layout">
+    <p:spTree>
+      <p:nvGrpSpPr>
+        <p:cNvPr id="1" name=""/>
+        <p:cNvGrpSpPr/>
+        <p:nvPr/>
+      </p:nvGrpSpPr>
+      <p:grpSpPr>
+        <a:xfrm>
+          <a:off x="0" y="0"/>
+          <a:ext cx="0" cy="0"/>
+          <a:chOff x="0" y="0"/>
+          <a:chExt cx="0" cy="0"/>
+        </a:xfrm>
+      </p:grpSpPr>
+      <p:sp>
+        <p:nvSpPr>
+          <p:cNvPr id="3" name="Date Placeholder 2">
+            <a:extLst>
+              <a:ext uri="{FF2B5EF4-FFF2-40B4-BE49-F238E27FC236}">
+                <a16:creationId xmlns:a16="http://schemas.microsoft.com/office/drawing/2014/main" id="{C43F89FA-523A-3747-AE77-FDF91A64B03A}"/>
+              </a:ext>
+            </a:extLst>
+          </p:cNvPr>
+          <p:cNvSpPr>
+            <a:spLocks noGrp="1"/>
+          </p:cNvSpPr>
+          <p:nvPr>
+            <p:ph type="dt" sz="half" idx="10"/>
+          </p:nvPr>
+        </p:nvSpPr>
+        <p:spPr/>
+        <p:txBody>
+          <a:bodyPr/>
+          <a:lstStyle/>
+          <a:p>
+            <a:fld id="{81A0E2BF-EDE0-F44F-A621-4AD048255429}" type="datetimeFigureOut">
+              <a:rPr lang="en-US"/>
+              <a:t>3/7/21</a:t>
+            </a:fld>
+            <a:endParaRPr lang="en-US"/>
+          </a:p>
+        </p:txBody>
+      </p:sp>
+      <p:sp>
+        <p:nvSpPr>
+          <p:cNvPr id="4" name="Footer Placeholder 3">
+            <a:extLst>
+              <a:ext uri="{FF2B5EF4-FFF2-40B4-BE49-F238E27FC236}">
+                <a16:creationId xmlns:a16="http://schemas.microsoft.com/office/drawing/2014/main" id="{CE44138F-51F4-594F-8D1E-B5E041597271}"/>
+              </a:ext>
+            </a:extLst>
+          </p:cNvPr>
+          <p:cNvSpPr>
+            <a:spLocks noGrp="1"/>
+          </p:cNvSpPr>
+          <p:nvPr>
+            <p:ph type="ftr" sz="quarter" idx="11"/>
+          </p:nvPr>
+        </p:nvSpPr>
+        <p:spPr/>
+        <p:txBody>
+          <a:bodyPr/>
+          <a:lstStyle/>
+          <a:p>
+            <a:endParaRPr lang="en-US"/>
+          </a:p>
+        </p:txBody>
+      </p:sp>
+      <p:sp>
+        <p:nvSpPr>
+          <p:cNvPr id="5" name="Slide Number Placeholder 4">
+            <a:extLst>
+              <a:ext uri="{FF2B5EF4-FFF2-40B4-BE49-F238E27FC236}">
+                <a16:creationId xmlns:a16="http://schemas.microsoft.com/office/drawing/2014/main" id="{8CBB79C9-0675-7145-963D-EC18369C3C40}"/>
+              </a:ext>
+            </a:extLst>
+          </p:cNvPr>
+          <p:cNvSpPr>
+            <a:spLocks noGrp="1"/>
+          </p:cNvSpPr>
+          <p:nvPr>
+            <p:ph type="sldNum" sz="quarter" idx="12"/>
+          </p:nvPr>
+        </p:nvSpPr>
+        <p:spPr/>
+        <p:txBody>
+          <a:bodyPr/>
+          <a:lstStyle/>
+          <a:p>
+            <a:fld id="{0B3A5DDE-81A5-9249-B0B5-9E6554E4E320}" type="slidenum">
+              <a:rPr lang="en-US"/>
+              <a:t>‹#›</a:t>
+            </a:fld>
+            <a:endParaRPr lang="en-US"/>
+          </a:p>
+        </p:txBody>
+      </p:sp>
+      <p:pic>
+        <p:nvPicPr>
+          <p:cNvPr id="7" name="Picture 6" descr="Table&#10;&#10;Description automatically generated">
+            <a:extLst>
+              <a:ext uri="{FF2B5EF4-FFF2-40B4-BE49-F238E27FC236}">
+                <a16:creationId xmlns:a16="http://schemas.microsoft.com/office/drawing/2014/main" id="{3DD94371-0F83-9140-ADF4-88BB34B78584}"/>
+              </a:ext>
+            </a:extLst>
+          </p:cNvPr>
+          <p:cNvPicPr>
+            <a:picLocks noChangeAspect="1"/>
+          </p:cNvPicPr>
+          <p:nvPr userDrawn="1"/>
+        </p:nvPicPr>
+        <p:blipFill>
+          <a:blip r:embed="rId2"/>
+          <a:stretch>
+            <a:fillRect/>
+          </a:stretch>
+        </p:blipFill>
+        <p:spPr>
+          <a:xfrm>
+            <a:off x="0" y="0"/>
+            <a:ext cx="12192000" cy="6858000"/>
+          </a:xfrm>
+          <a:prstGeom prst="rect">
+            <a:avLst/>
+          </a:prstGeom>
+        </p:spPr>
+      </p:pic>
+      <p:sp>
+        <p:nvSpPr>
+          <p:cNvPr id="9" name="Text Placeholder 11">
+            <a:extLst>
+              <a:ext uri="{FF2B5EF4-FFF2-40B4-BE49-F238E27FC236}">
+                <a16:creationId xmlns:a16="http://schemas.microsoft.com/office/drawing/2014/main" id="{1394DA92-8BA6-514E-8EA5-ABF598F063C2}"/>
+              </a:ext>
+            </a:extLst>
+          </p:cNvPr>
+          <p:cNvSpPr>
+            <a:spLocks noGrp="1"/>
+          </p:cNvSpPr>
+          <p:nvPr>
+            <p:ph type="body" sz="quarter" idx="13" hasCustomPrompt="1"/>
+          </p:nvPr>
+        </p:nvSpPr>
+        <p:spPr>
+          <a:xfrm>
+            <a:off x="300038" y="382589"/>
+            <a:ext cx="1566340" cy="365126"/>
+          </a:xfrm>
+          <a:solidFill>
+            <a:schemeClr val="tx1"/>
+          </a:solidFill>
+        </p:spPr>
+        <p:txBody>
+          <a:bodyPr/>
+          <a:lstStyle>
+            <a:lvl1pPr>
+              <a:defRPr b="1">
+                <a:solidFill>
+                  <a:schemeClr val="bg1"/>
+                </a:solidFill>
+              </a:defRPr>
+            </a:lvl1pPr>
+          </a:lstStyle>
+          <a:p>
+            <a:pPr lvl="0"/>
+            <a:r>
+              <a:rPr lang="en-US"/>
+              <a:t>Example</a:t>
+            </a:r>
+          </a:p>
+        </p:txBody>
+      </p:sp>
+    </p:spTree>
+    <p:extLst>
+      <p:ext uri="{BB962C8B-B14F-4D97-AF65-F5344CB8AC3E}">
+        <p14:creationId xmlns:p14="http://schemas.microsoft.com/office/powerpoint/2010/main" val="492150284"/>
+      </p:ext>
+    </p:extLst>
+  </p:cSld>
+  <p:clrMapOvr>
+    <a:masterClrMapping/>
+  </p:clrMapOvr>
+</p:sldLayout>
+</file>
+
+<file path=ppt/slideLayouts/slideLayout9.xml><?xml version="1.0" encoding="utf-8"?>
+<p:sldLayout xmlns:a="http://schemas.openxmlformats.org/drawingml/2006/main" xmlns:r="http://schemas.openxmlformats.org/officeDocument/2006/relationships" xmlns:p="http://schemas.openxmlformats.org/presentationml/2006/main" preserve="1" userDrawn="1">
+  <p:cSld name="1_Custom Layout">
+    <p:spTree>
+      <p:nvGrpSpPr>
+        <p:cNvPr id="1" name=""/>
+        <p:cNvGrpSpPr/>
+        <p:nvPr/>
+      </p:nvGrpSpPr>
+      <p:grpSpPr>
+        <a:xfrm>
+          <a:off x="0" y="0"/>
+          <a:ext cx="0" cy="0"/>
+          <a:chOff x="0" y="0"/>
+          <a:chExt cx="0" cy="0"/>
+        </a:xfrm>
+      </p:grpSpPr>
+      <p:sp>
+        <p:nvSpPr>
+          <p:cNvPr id="3" name="Date Placeholder 2">
+            <a:extLst>
+              <a:ext uri="{FF2B5EF4-FFF2-40B4-BE49-F238E27FC236}">
+                <a16:creationId xmlns:a16="http://schemas.microsoft.com/office/drawing/2014/main" id="{FBE8EAF9-652D-9B4C-A169-1B9A61FA0163}"/>
+              </a:ext>
+            </a:extLst>
+          </p:cNvPr>
+          <p:cNvSpPr>
+            <a:spLocks noGrp="1"/>
+          </p:cNvSpPr>
+          <p:nvPr>
+            <p:ph type="dt" sz="half" idx="10"/>
+          </p:nvPr>
+        </p:nvSpPr>
+        <p:spPr/>
+        <p:txBody>
+          <a:bodyPr/>
+          <a:lstStyle/>
+          <a:p>
+            <a:fld id="{81A0E2BF-EDE0-F44F-A621-4AD048255429}" type="datetimeFigureOut">
+              <a:rPr lang="en-US"/>
+              <a:t>3/7/21</a:t>
+            </a:fld>
+            <a:endParaRPr lang="en-US"/>
+          </a:p>
+        </p:txBody>
+      </p:sp>
+      <p:sp>
+        <p:nvSpPr>
+          <p:cNvPr id="4" name="Footer Placeholder 3">
+            <a:extLst>
+              <a:ext uri="{FF2B5EF4-FFF2-40B4-BE49-F238E27FC236}">
+                <a16:creationId xmlns:a16="http://schemas.microsoft.com/office/drawing/2014/main" id="{65374E42-17FB-574A-B576-7F4367484D55}"/>
+              </a:ext>
+            </a:extLst>
+          </p:cNvPr>
+          <p:cNvSpPr>
+            <a:spLocks noGrp="1"/>
+          </p:cNvSpPr>
+          <p:nvPr>
+            <p:ph type="ftr" sz="quarter" idx="11"/>
+          </p:nvPr>
+        </p:nvSpPr>
+        <p:spPr/>
+        <p:txBody>
+          <a:bodyPr/>
+          <a:lstStyle/>
+          <a:p>
+            <a:endParaRPr lang="en-US"/>
+          </a:p>
+        </p:txBody>
+      </p:sp>
+      <p:sp>
+        <p:nvSpPr>
+          <p:cNvPr id="5" name="Slide Number Placeholder 4">
+            <a:extLst>
+              <a:ext uri="{FF2B5EF4-FFF2-40B4-BE49-F238E27FC236}">
+                <a16:creationId xmlns:a16="http://schemas.microsoft.com/office/drawing/2014/main" id="{3AD91C09-D096-5646-BEDD-ECB1F41619C5}"/>
+              </a:ext>
+            </a:extLst>
+          </p:cNvPr>
+          <p:cNvSpPr>
+            <a:spLocks noGrp="1"/>
+          </p:cNvSpPr>
+          <p:nvPr>
+            <p:ph type="sldNum" sz="quarter" idx="12"/>
+          </p:nvPr>
+        </p:nvSpPr>
+        <p:spPr/>
+        <p:txBody>
+          <a:bodyPr/>
+          <a:lstStyle/>
+          <a:p>
+            <a:fld id="{0B3A5DDE-81A5-9249-B0B5-9E6554E4E320}" type="slidenum">
+              <a:rPr lang="en-US"/>
+              <a:t>‹#›</a:t>
+            </a:fld>
+            <a:endParaRPr lang="en-US"/>
+          </a:p>
+        </p:txBody>
+      </p:sp>
+      <p:pic>
+        <p:nvPicPr>
+          <p:cNvPr id="9" name="Picture 8" descr="Table&#10;&#10;Description automatically generated">
+            <a:extLst>
+              <a:ext uri="{FF2B5EF4-FFF2-40B4-BE49-F238E27FC236}">
+                <a16:creationId xmlns:a16="http://schemas.microsoft.com/office/drawing/2014/main" id="{11FE9453-DC66-9A45-A7EC-2D79BB667BC0}"/>
+              </a:ext>
+            </a:extLst>
+          </p:cNvPr>
+          <p:cNvPicPr>
+            <a:picLocks noChangeAspect="1"/>
+          </p:cNvPicPr>
+          <p:nvPr userDrawn="1"/>
+        </p:nvPicPr>
+        <p:blipFill>
+          <a:blip r:embed="rId2"/>
+          <a:stretch>
+            <a:fillRect/>
+          </a:stretch>
+        </p:blipFill>
+        <p:spPr>
+          <a:xfrm>
+            <a:off x="0" y="0"/>
+            <a:ext cx="12192000" cy="6858000"/>
+          </a:xfrm>
+          <a:prstGeom prst="rect">
+            <a:avLst/>
+          </a:prstGeom>
+        </p:spPr>
+      </p:pic>
+      <p:sp>
+        <p:nvSpPr>
+          <p:cNvPr id="12" name="Text Placeholder 11">
+            <a:extLst>
+              <a:ext uri="{FF2B5EF4-FFF2-40B4-BE49-F238E27FC236}">
+                <a16:creationId xmlns:a16="http://schemas.microsoft.com/office/drawing/2014/main" id="{1D662064-5CDA-104F-A9EB-4F270ED38C90}"/>
+              </a:ext>
+            </a:extLst>
+          </p:cNvPr>
+          <p:cNvSpPr>
+            <a:spLocks noGrp="1"/>
+          </p:cNvSpPr>
+          <p:nvPr>
+            <p:ph type="body" sz="quarter" idx="13" hasCustomPrompt="1"/>
+          </p:nvPr>
+        </p:nvSpPr>
+        <p:spPr>
+          <a:xfrm>
+            <a:off x="300038" y="382589"/>
+            <a:ext cx="1566340" cy="365126"/>
+          </a:xfrm>
+          <a:solidFill>
+            <a:schemeClr val="tx1"/>
+          </a:solidFill>
+        </p:spPr>
+        <p:txBody>
+          <a:bodyPr/>
+          <a:lstStyle>
+            <a:lvl1pPr>
+              <a:defRPr b="1">
+                <a:solidFill>
+                  <a:schemeClr val="bg1"/>
+                </a:solidFill>
+              </a:defRPr>
+            </a:lvl1pPr>
+          </a:lstStyle>
+          <a:p>
+            <a:pPr lvl="0"/>
+            <a:r>
+              <a:rPr lang="en-US"/>
+              <a:t>Example</a:t>
+            </a:r>
+          </a:p>
+        </p:txBody>
+      </p:sp>
+    </p:spTree>
+    <p:extLst>
+      <p:ext uri="{BB962C8B-B14F-4D97-AF65-F5344CB8AC3E}">
+        <p14:creationId xmlns:p14="http://schemas.microsoft.com/office/powerpoint/2010/main" val="3779685141"/>
+      </p:ext>
+    </p:extLst>
+  </p:cSld>
+  <p:clrMapOvr>
+    <a:masterClrMapping/>
+  </p:clrMapOvr>
+</p:sldLayout>
+</file>
+
 <file path=ppt/slideMasters/slideMaster1.xml><?xml version="1.0" encoding="utf-8"?>
 <p:sldMaster xmlns:a="http://schemas.openxmlformats.org/drawingml/2006/main" xmlns:r="http://schemas.openxmlformats.org/officeDocument/2006/relationships" xmlns:p="http://schemas.openxmlformats.org/presentationml/2006/main" preserve="1">
   <p:cSld>
@@ -1725,6 +2104,8 @@
     <p:sldLayoutId id="2147483665" r:id="rId5"/>
     <p:sldLayoutId id="2147483666" r:id="rId6"/>
     <p:sldLayoutId id="2147483667" r:id="rId7"/>
+    <p:sldLayoutId id="2147483668" r:id="rId8"/>
+    <p:sldLayoutId id="2147483669" r:id="rId9"/>
   </p:sldLayoutIdLst>
   <p:txStyles>
     <p:titleStyle>
@@ -2093,6 +2474,3109 @@
 </file>
 
 <file path=ppt/slides/slide2.xml><?xml version="1.0" encoding="utf-8"?>
+<p:sld xmlns:a="http://schemas.openxmlformats.org/drawingml/2006/main" xmlns:r="http://schemas.openxmlformats.org/officeDocument/2006/relationships" xmlns:p="http://schemas.openxmlformats.org/presentationml/2006/main">
+  <p:cSld>
+    <p:spTree>
+      <p:nvGrpSpPr>
+        <p:cNvPr id="1" name=""/>
+        <p:cNvGrpSpPr/>
+        <p:nvPr/>
+      </p:nvGrpSpPr>
+      <p:grpSpPr>
+        <a:xfrm>
+          <a:off x="0" y="0"/>
+          <a:ext cx="0" cy="0"/>
+          <a:chOff x="0" y="0"/>
+          <a:chExt cx="0" cy="0"/>
+        </a:xfrm>
+      </p:grpSpPr>
+      <p:sp>
+        <p:nvSpPr>
+          <p:cNvPr id="28" name="Rectangle 27">
+            <a:extLst>
+              <a:ext uri="{FF2B5EF4-FFF2-40B4-BE49-F238E27FC236}">
+                <a16:creationId xmlns:a16="http://schemas.microsoft.com/office/drawing/2014/main" id="{44665EA4-8E79-4D46-BF22-008688266576}"/>
+              </a:ext>
+            </a:extLst>
+          </p:cNvPr>
+          <p:cNvSpPr/>
+          <p:nvPr/>
+        </p:nvSpPr>
+        <p:spPr>
+          <a:xfrm>
+            <a:off x="2505227" y="1847879"/>
+            <a:ext cx="1134161" cy="350144"/>
+          </a:xfrm>
+          <a:prstGeom prst="rect">
+            <a:avLst/>
+          </a:prstGeom>
+          <a:ln>
+            <a:noFill/>
+          </a:ln>
+        </p:spPr>
+        <p:style>
+          <a:lnRef idx="2">
+            <a:schemeClr val="accent1">
+              <a:shade val="50000"/>
+            </a:schemeClr>
+          </a:lnRef>
+          <a:fillRef idx="1">
+            <a:schemeClr val="accent1"/>
+          </a:fillRef>
+          <a:effectRef idx="0">
+            <a:schemeClr val="accent1"/>
+          </a:effectRef>
+          <a:fontRef idx="minor">
+            <a:schemeClr val="lt1"/>
+          </a:fontRef>
+        </p:style>
+        <p:txBody>
+          <a:bodyPr rtlCol="0" anchor="ctr"/>
+          <a:lstStyle/>
+          <a:p>
+            <a:pPr algn="ctr"/>
+            <a:r>
+              <a:rPr lang="en-US" b="1">
+                <a:solidFill>
+                  <a:schemeClr val="tx1"/>
+                </a:solidFill>
+              </a:rPr>
+              <a:t>Example</a:t>
+            </a:r>
+          </a:p>
+        </p:txBody>
+      </p:sp>
+      <p:sp>
+        <p:nvSpPr>
+          <p:cNvPr id="29" name="Rectangle 28">
+            <a:extLst>
+              <a:ext uri="{FF2B5EF4-FFF2-40B4-BE49-F238E27FC236}">
+                <a16:creationId xmlns:a16="http://schemas.microsoft.com/office/drawing/2014/main" id="{19558F07-4F7D-D844-89CE-4ABFAD06BA11}"/>
+              </a:ext>
+            </a:extLst>
+          </p:cNvPr>
+          <p:cNvSpPr/>
+          <p:nvPr/>
+        </p:nvSpPr>
+        <p:spPr>
+          <a:xfrm>
+            <a:off x="2505227" y="2685412"/>
+            <a:ext cx="1134161" cy="350144"/>
+          </a:xfrm>
+          <a:prstGeom prst="rect">
+            <a:avLst/>
+          </a:prstGeom>
+          <a:solidFill>
+            <a:schemeClr val="accent1">
+              <a:lumMod val="20000"/>
+              <a:lumOff val="80000"/>
+            </a:schemeClr>
+          </a:solidFill>
+          <a:ln>
+            <a:noFill/>
+          </a:ln>
+        </p:spPr>
+        <p:style>
+          <a:lnRef idx="2">
+            <a:schemeClr val="accent1">
+              <a:shade val="50000"/>
+            </a:schemeClr>
+          </a:lnRef>
+          <a:fillRef idx="1">
+            <a:schemeClr val="accent1"/>
+          </a:fillRef>
+          <a:effectRef idx="0">
+            <a:schemeClr val="accent1"/>
+          </a:effectRef>
+          <a:fontRef idx="minor">
+            <a:schemeClr val="lt1"/>
+          </a:fontRef>
+        </p:style>
+        <p:txBody>
+          <a:bodyPr rtlCol="0" anchor="ctr"/>
+          <a:lstStyle/>
+          <a:p>
+            <a:pPr algn="ctr"/>
+            <a:r>
+              <a:rPr lang="en-US" b="1">
+                <a:solidFill>
+                  <a:schemeClr val="tx1"/>
+                </a:solidFill>
+              </a:rPr>
+              <a:t>Example</a:t>
+            </a:r>
+          </a:p>
+        </p:txBody>
+      </p:sp>
+      <p:sp>
+        <p:nvSpPr>
+          <p:cNvPr id="30" name="Rectangle 29">
+            <a:extLst>
+              <a:ext uri="{FF2B5EF4-FFF2-40B4-BE49-F238E27FC236}">
+                <a16:creationId xmlns:a16="http://schemas.microsoft.com/office/drawing/2014/main" id="{2D8F05CB-BCD6-7441-B782-9D0112640A42}"/>
+              </a:ext>
+            </a:extLst>
+          </p:cNvPr>
+          <p:cNvSpPr/>
+          <p:nvPr/>
+        </p:nvSpPr>
+        <p:spPr>
+          <a:xfrm>
+            <a:off x="2505227" y="3179053"/>
+            <a:ext cx="1134161" cy="350144"/>
+          </a:xfrm>
+          <a:prstGeom prst="rect">
+            <a:avLst/>
+          </a:prstGeom>
+          <a:solidFill>
+            <a:schemeClr val="accent1">
+              <a:lumMod val="40000"/>
+              <a:lumOff val="60000"/>
+            </a:schemeClr>
+          </a:solidFill>
+          <a:ln>
+            <a:noFill/>
+          </a:ln>
+        </p:spPr>
+        <p:style>
+          <a:lnRef idx="2">
+            <a:schemeClr val="accent1">
+              <a:shade val="50000"/>
+            </a:schemeClr>
+          </a:lnRef>
+          <a:fillRef idx="1">
+            <a:schemeClr val="accent1"/>
+          </a:fillRef>
+          <a:effectRef idx="0">
+            <a:schemeClr val="accent1"/>
+          </a:effectRef>
+          <a:fontRef idx="minor">
+            <a:schemeClr val="lt1"/>
+          </a:fontRef>
+        </p:style>
+        <p:txBody>
+          <a:bodyPr rtlCol="0" anchor="ctr"/>
+          <a:lstStyle/>
+          <a:p>
+            <a:pPr algn="ctr"/>
+            <a:r>
+              <a:rPr lang="en-US" b="1">
+                <a:solidFill>
+                  <a:schemeClr val="tx1"/>
+                </a:solidFill>
+              </a:rPr>
+              <a:t>Example</a:t>
+            </a:r>
+          </a:p>
+        </p:txBody>
+      </p:sp>
+      <p:sp>
+        <p:nvSpPr>
+          <p:cNvPr id="31" name="Rectangle 30">
+            <a:extLst>
+              <a:ext uri="{FF2B5EF4-FFF2-40B4-BE49-F238E27FC236}">
+                <a16:creationId xmlns:a16="http://schemas.microsoft.com/office/drawing/2014/main" id="{E1067640-D4C4-5748-84A4-B9C24E954A0E}"/>
+              </a:ext>
+            </a:extLst>
+          </p:cNvPr>
+          <p:cNvSpPr/>
+          <p:nvPr/>
+        </p:nvSpPr>
+        <p:spPr>
+          <a:xfrm>
+            <a:off x="2505227" y="3672695"/>
+            <a:ext cx="1134161" cy="350144"/>
+          </a:xfrm>
+          <a:prstGeom prst="rect">
+            <a:avLst/>
+          </a:prstGeom>
+          <a:solidFill>
+            <a:schemeClr val="accent1">
+              <a:lumMod val="60000"/>
+              <a:lumOff val="40000"/>
+            </a:schemeClr>
+          </a:solidFill>
+          <a:ln>
+            <a:noFill/>
+          </a:ln>
+        </p:spPr>
+        <p:style>
+          <a:lnRef idx="2">
+            <a:schemeClr val="accent1">
+              <a:shade val="50000"/>
+            </a:schemeClr>
+          </a:lnRef>
+          <a:fillRef idx="1">
+            <a:schemeClr val="accent1"/>
+          </a:fillRef>
+          <a:effectRef idx="0">
+            <a:schemeClr val="accent1"/>
+          </a:effectRef>
+          <a:fontRef idx="minor">
+            <a:schemeClr val="lt1"/>
+          </a:fontRef>
+        </p:style>
+        <p:txBody>
+          <a:bodyPr rtlCol="0" anchor="ctr"/>
+          <a:lstStyle/>
+          <a:p>
+            <a:pPr algn="ctr"/>
+            <a:r>
+              <a:rPr lang="en-US" b="1">
+                <a:solidFill>
+                  <a:schemeClr val="tx1"/>
+                </a:solidFill>
+              </a:rPr>
+              <a:t>Example</a:t>
+            </a:r>
+          </a:p>
+        </p:txBody>
+      </p:sp>
+      <p:sp>
+        <p:nvSpPr>
+          <p:cNvPr id="32" name="Rectangle 31">
+            <a:extLst>
+              <a:ext uri="{FF2B5EF4-FFF2-40B4-BE49-F238E27FC236}">
+                <a16:creationId xmlns:a16="http://schemas.microsoft.com/office/drawing/2014/main" id="{B943F16A-9DB5-BD4B-AD9A-DAB0F844930A}"/>
+              </a:ext>
+            </a:extLst>
+          </p:cNvPr>
+          <p:cNvSpPr/>
+          <p:nvPr/>
+        </p:nvSpPr>
+        <p:spPr>
+          <a:xfrm>
+            <a:off x="2505227" y="4166336"/>
+            <a:ext cx="1134161" cy="350144"/>
+          </a:xfrm>
+          <a:prstGeom prst="rect">
+            <a:avLst/>
+          </a:prstGeom>
+          <a:solidFill>
+            <a:schemeClr val="accent1">
+              <a:lumMod val="75000"/>
+            </a:schemeClr>
+          </a:solidFill>
+          <a:ln>
+            <a:noFill/>
+          </a:ln>
+        </p:spPr>
+        <p:style>
+          <a:lnRef idx="2">
+            <a:schemeClr val="accent1">
+              <a:shade val="50000"/>
+            </a:schemeClr>
+          </a:lnRef>
+          <a:fillRef idx="1">
+            <a:schemeClr val="accent1"/>
+          </a:fillRef>
+          <a:effectRef idx="0">
+            <a:schemeClr val="accent1"/>
+          </a:effectRef>
+          <a:fontRef idx="minor">
+            <a:schemeClr val="lt1"/>
+          </a:fontRef>
+        </p:style>
+        <p:txBody>
+          <a:bodyPr rtlCol="0" anchor="ctr"/>
+          <a:lstStyle/>
+          <a:p>
+            <a:pPr algn="ctr"/>
+            <a:r>
+              <a:rPr lang="en-US" b="1">
+                <a:solidFill>
+                  <a:schemeClr val="tx1"/>
+                </a:solidFill>
+              </a:rPr>
+              <a:t>Example</a:t>
+            </a:r>
+          </a:p>
+        </p:txBody>
+      </p:sp>
+      <p:sp>
+        <p:nvSpPr>
+          <p:cNvPr id="33" name="Rectangle 32">
+            <a:extLst>
+              <a:ext uri="{FF2B5EF4-FFF2-40B4-BE49-F238E27FC236}">
+                <a16:creationId xmlns:a16="http://schemas.microsoft.com/office/drawing/2014/main" id="{5DB49BA4-8034-7F49-B0AA-949BB131D42C}"/>
+              </a:ext>
+            </a:extLst>
+          </p:cNvPr>
+          <p:cNvSpPr/>
+          <p:nvPr/>
+        </p:nvSpPr>
+        <p:spPr>
+          <a:xfrm>
+            <a:off x="993381" y="2685412"/>
+            <a:ext cx="1134161" cy="350144"/>
+          </a:xfrm>
+          <a:prstGeom prst="rect">
+            <a:avLst/>
+          </a:prstGeom>
+          <a:solidFill>
+            <a:schemeClr val="tx2">
+              <a:lumMod val="20000"/>
+              <a:lumOff val="80000"/>
+            </a:schemeClr>
+          </a:solidFill>
+          <a:ln>
+            <a:noFill/>
+          </a:ln>
+        </p:spPr>
+        <p:style>
+          <a:lnRef idx="2">
+            <a:schemeClr val="accent1">
+              <a:shade val="50000"/>
+            </a:schemeClr>
+          </a:lnRef>
+          <a:fillRef idx="1">
+            <a:schemeClr val="accent1"/>
+          </a:fillRef>
+          <a:effectRef idx="0">
+            <a:schemeClr val="accent1"/>
+          </a:effectRef>
+          <a:fontRef idx="minor">
+            <a:schemeClr val="lt1"/>
+          </a:fontRef>
+        </p:style>
+        <p:txBody>
+          <a:bodyPr rtlCol="0" anchor="ctr"/>
+          <a:lstStyle/>
+          <a:p>
+            <a:pPr algn="ctr"/>
+            <a:r>
+              <a:rPr lang="en-US" b="1">
+                <a:solidFill>
+                  <a:schemeClr val="tx1"/>
+                </a:solidFill>
+              </a:rPr>
+              <a:t>Example</a:t>
+            </a:r>
+          </a:p>
+        </p:txBody>
+      </p:sp>
+      <p:sp>
+        <p:nvSpPr>
+          <p:cNvPr id="34" name="Rectangle 33">
+            <a:extLst>
+              <a:ext uri="{FF2B5EF4-FFF2-40B4-BE49-F238E27FC236}">
+                <a16:creationId xmlns:a16="http://schemas.microsoft.com/office/drawing/2014/main" id="{2AEC0962-D156-AB49-AC1E-4D3C6C5FB165}"/>
+              </a:ext>
+            </a:extLst>
+          </p:cNvPr>
+          <p:cNvSpPr/>
+          <p:nvPr/>
+        </p:nvSpPr>
+        <p:spPr>
+          <a:xfrm>
+            <a:off x="993381" y="3179053"/>
+            <a:ext cx="1134161" cy="350144"/>
+          </a:xfrm>
+          <a:prstGeom prst="rect">
+            <a:avLst/>
+          </a:prstGeom>
+          <a:solidFill>
+            <a:schemeClr val="tx2">
+              <a:lumMod val="40000"/>
+              <a:lumOff val="60000"/>
+            </a:schemeClr>
+          </a:solidFill>
+          <a:ln>
+            <a:noFill/>
+          </a:ln>
+        </p:spPr>
+        <p:style>
+          <a:lnRef idx="2">
+            <a:schemeClr val="accent1">
+              <a:shade val="50000"/>
+            </a:schemeClr>
+          </a:lnRef>
+          <a:fillRef idx="1">
+            <a:schemeClr val="accent1"/>
+          </a:fillRef>
+          <a:effectRef idx="0">
+            <a:schemeClr val="accent1"/>
+          </a:effectRef>
+          <a:fontRef idx="minor">
+            <a:schemeClr val="lt1"/>
+          </a:fontRef>
+        </p:style>
+        <p:txBody>
+          <a:bodyPr rtlCol="0" anchor="ctr"/>
+          <a:lstStyle/>
+          <a:p>
+            <a:pPr algn="ctr"/>
+            <a:r>
+              <a:rPr lang="en-US" b="1">
+                <a:solidFill>
+                  <a:schemeClr val="tx1"/>
+                </a:solidFill>
+              </a:rPr>
+              <a:t>Example</a:t>
+            </a:r>
+          </a:p>
+        </p:txBody>
+      </p:sp>
+      <p:sp>
+        <p:nvSpPr>
+          <p:cNvPr id="35" name="Rectangle 34">
+            <a:extLst>
+              <a:ext uri="{FF2B5EF4-FFF2-40B4-BE49-F238E27FC236}">
+                <a16:creationId xmlns:a16="http://schemas.microsoft.com/office/drawing/2014/main" id="{AD592EFF-9BB4-0E4D-A093-43B3BE97AB27}"/>
+              </a:ext>
+            </a:extLst>
+          </p:cNvPr>
+          <p:cNvSpPr/>
+          <p:nvPr/>
+        </p:nvSpPr>
+        <p:spPr>
+          <a:xfrm>
+            <a:off x="4017073" y="1847879"/>
+            <a:ext cx="1134161" cy="350144"/>
+          </a:xfrm>
+          <a:prstGeom prst="rect">
+            <a:avLst/>
+          </a:prstGeom>
+          <a:solidFill>
+            <a:schemeClr val="accent2"/>
+          </a:solidFill>
+          <a:ln>
+            <a:noFill/>
+          </a:ln>
+        </p:spPr>
+        <p:style>
+          <a:lnRef idx="2">
+            <a:schemeClr val="accent1">
+              <a:shade val="50000"/>
+            </a:schemeClr>
+          </a:lnRef>
+          <a:fillRef idx="1">
+            <a:schemeClr val="accent1"/>
+          </a:fillRef>
+          <a:effectRef idx="0">
+            <a:schemeClr val="accent1"/>
+          </a:effectRef>
+          <a:fontRef idx="minor">
+            <a:schemeClr val="lt1"/>
+          </a:fontRef>
+        </p:style>
+        <p:txBody>
+          <a:bodyPr rtlCol="0" anchor="ctr"/>
+          <a:lstStyle/>
+          <a:p>
+            <a:pPr algn="ctr"/>
+            <a:r>
+              <a:rPr lang="en-US" b="1">
+                <a:solidFill>
+                  <a:schemeClr val="tx1"/>
+                </a:solidFill>
+              </a:rPr>
+              <a:t>Example</a:t>
+            </a:r>
+          </a:p>
+        </p:txBody>
+      </p:sp>
+      <p:sp>
+        <p:nvSpPr>
+          <p:cNvPr id="36" name="Rectangle 35">
+            <a:extLst>
+              <a:ext uri="{FF2B5EF4-FFF2-40B4-BE49-F238E27FC236}">
+                <a16:creationId xmlns:a16="http://schemas.microsoft.com/office/drawing/2014/main" id="{7F117668-5DA7-A24F-99D0-8AD4CDDE7C5B}"/>
+              </a:ext>
+            </a:extLst>
+          </p:cNvPr>
+          <p:cNvSpPr/>
+          <p:nvPr/>
+        </p:nvSpPr>
+        <p:spPr>
+          <a:xfrm>
+            <a:off x="4017073" y="2685412"/>
+            <a:ext cx="1134161" cy="350144"/>
+          </a:xfrm>
+          <a:prstGeom prst="rect">
+            <a:avLst/>
+          </a:prstGeom>
+          <a:solidFill>
+            <a:schemeClr val="accent2">
+              <a:lumMod val="20000"/>
+              <a:lumOff val="80000"/>
+            </a:schemeClr>
+          </a:solidFill>
+          <a:ln>
+            <a:noFill/>
+          </a:ln>
+        </p:spPr>
+        <p:style>
+          <a:lnRef idx="2">
+            <a:schemeClr val="accent1">
+              <a:shade val="50000"/>
+            </a:schemeClr>
+          </a:lnRef>
+          <a:fillRef idx="1">
+            <a:schemeClr val="accent1"/>
+          </a:fillRef>
+          <a:effectRef idx="0">
+            <a:schemeClr val="accent1"/>
+          </a:effectRef>
+          <a:fontRef idx="minor">
+            <a:schemeClr val="lt1"/>
+          </a:fontRef>
+        </p:style>
+        <p:txBody>
+          <a:bodyPr rtlCol="0" anchor="ctr"/>
+          <a:lstStyle/>
+          <a:p>
+            <a:pPr algn="ctr"/>
+            <a:r>
+              <a:rPr lang="en-US" b="1">
+                <a:solidFill>
+                  <a:schemeClr val="tx1"/>
+                </a:solidFill>
+              </a:rPr>
+              <a:t>Example</a:t>
+            </a:r>
+          </a:p>
+        </p:txBody>
+      </p:sp>
+      <p:sp>
+        <p:nvSpPr>
+          <p:cNvPr id="37" name="Rectangle 36">
+            <a:extLst>
+              <a:ext uri="{FF2B5EF4-FFF2-40B4-BE49-F238E27FC236}">
+                <a16:creationId xmlns:a16="http://schemas.microsoft.com/office/drawing/2014/main" id="{17100B4D-AA5E-7543-AD3A-CDD6BF2B433B}"/>
+              </a:ext>
+            </a:extLst>
+          </p:cNvPr>
+          <p:cNvSpPr/>
+          <p:nvPr/>
+        </p:nvSpPr>
+        <p:spPr>
+          <a:xfrm>
+            <a:off x="4017073" y="3179053"/>
+            <a:ext cx="1134161" cy="350144"/>
+          </a:xfrm>
+          <a:prstGeom prst="rect">
+            <a:avLst/>
+          </a:prstGeom>
+          <a:solidFill>
+            <a:schemeClr val="accent2">
+              <a:lumMod val="40000"/>
+              <a:lumOff val="60000"/>
+            </a:schemeClr>
+          </a:solidFill>
+          <a:ln>
+            <a:noFill/>
+          </a:ln>
+        </p:spPr>
+        <p:style>
+          <a:lnRef idx="2">
+            <a:schemeClr val="accent1">
+              <a:shade val="50000"/>
+            </a:schemeClr>
+          </a:lnRef>
+          <a:fillRef idx="1">
+            <a:schemeClr val="accent1"/>
+          </a:fillRef>
+          <a:effectRef idx="0">
+            <a:schemeClr val="accent1"/>
+          </a:effectRef>
+          <a:fontRef idx="minor">
+            <a:schemeClr val="lt1"/>
+          </a:fontRef>
+        </p:style>
+        <p:txBody>
+          <a:bodyPr rtlCol="0" anchor="ctr"/>
+          <a:lstStyle/>
+          <a:p>
+            <a:pPr algn="ctr"/>
+            <a:r>
+              <a:rPr lang="en-US" b="1">
+                <a:solidFill>
+                  <a:schemeClr val="tx1"/>
+                </a:solidFill>
+              </a:rPr>
+              <a:t>Example</a:t>
+            </a:r>
+          </a:p>
+        </p:txBody>
+      </p:sp>
+      <p:sp>
+        <p:nvSpPr>
+          <p:cNvPr id="38" name="Rectangle 37">
+            <a:extLst>
+              <a:ext uri="{FF2B5EF4-FFF2-40B4-BE49-F238E27FC236}">
+                <a16:creationId xmlns:a16="http://schemas.microsoft.com/office/drawing/2014/main" id="{9B69B978-BCF3-AD4F-B562-08DFAC3EA30D}"/>
+              </a:ext>
+            </a:extLst>
+          </p:cNvPr>
+          <p:cNvSpPr/>
+          <p:nvPr/>
+        </p:nvSpPr>
+        <p:spPr>
+          <a:xfrm>
+            <a:off x="4017073" y="3672695"/>
+            <a:ext cx="1134161" cy="350144"/>
+          </a:xfrm>
+          <a:prstGeom prst="rect">
+            <a:avLst/>
+          </a:prstGeom>
+          <a:solidFill>
+            <a:schemeClr val="accent2">
+              <a:lumMod val="60000"/>
+              <a:lumOff val="40000"/>
+            </a:schemeClr>
+          </a:solidFill>
+          <a:ln>
+            <a:noFill/>
+          </a:ln>
+        </p:spPr>
+        <p:style>
+          <a:lnRef idx="2">
+            <a:schemeClr val="accent1">
+              <a:shade val="50000"/>
+            </a:schemeClr>
+          </a:lnRef>
+          <a:fillRef idx="1">
+            <a:schemeClr val="accent1"/>
+          </a:fillRef>
+          <a:effectRef idx="0">
+            <a:schemeClr val="accent1"/>
+          </a:effectRef>
+          <a:fontRef idx="minor">
+            <a:schemeClr val="lt1"/>
+          </a:fontRef>
+        </p:style>
+        <p:txBody>
+          <a:bodyPr rtlCol="0" anchor="ctr"/>
+          <a:lstStyle/>
+          <a:p>
+            <a:pPr algn="ctr"/>
+            <a:r>
+              <a:rPr lang="en-US" b="1">
+                <a:solidFill>
+                  <a:schemeClr val="tx1"/>
+                </a:solidFill>
+              </a:rPr>
+              <a:t>Example</a:t>
+            </a:r>
+          </a:p>
+        </p:txBody>
+      </p:sp>
+      <p:sp>
+        <p:nvSpPr>
+          <p:cNvPr id="39" name="Rectangle 38">
+            <a:extLst>
+              <a:ext uri="{FF2B5EF4-FFF2-40B4-BE49-F238E27FC236}">
+                <a16:creationId xmlns:a16="http://schemas.microsoft.com/office/drawing/2014/main" id="{A0DE3542-5030-1145-AA2A-B810A564DCD5}"/>
+              </a:ext>
+            </a:extLst>
+          </p:cNvPr>
+          <p:cNvSpPr/>
+          <p:nvPr/>
+        </p:nvSpPr>
+        <p:spPr>
+          <a:xfrm>
+            <a:off x="5528919" y="1847879"/>
+            <a:ext cx="1134161" cy="350144"/>
+          </a:xfrm>
+          <a:prstGeom prst="rect">
+            <a:avLst/>
+          </a:prstGeom>
+          <a:solidFill>
+            <a:schemeClr val="accent3"/>
+          </a:solidFill>
+          <a:ln>
+            <a:noFill/>
+          </a:ln>
+        </p:spPr>
+        <p:style>
+          <a:lnRef idx="2">
+            <a:schemeClr val="accent1">
+              <a:shade val="50000"/>
+            </a:schemeClr>
+          </a:lnRef>
+          <a:fillRef idx="1">
+            <a:schemeClr val="accent1"/>
+          </a:fillRef>
+          <a:effectRef idx="0">
+            <a:schemeClr val="accent1"/>
+          </a:effectRef>
+          <a:fontRef idx="minor">
+            <a:schemeClr val="lt1"/>
+          </a:fontRef>
+        </p:style>
+        <p:txBody>
+          <a:bodyPr rtlCol="0" anchor="ctr"/>
+          <a:lstStyle/>
+          <a:p>
+            <a:pPr algn="ctr"/>
+            <a:r>
+              <a:rPr lang="en-US" b="1">
+                <a:solidFill>
+                  <a:schemeClr val="tx1"/>
+                </a:solidFill>
+              </a:rPr>
+              <a:t>Example</a:t>
+            </a:r>
+          </a:p>
+        </p:txBody>
+      </p:sp>
+      <p:sp>
+        <p:nvSpPr>
+          <p:cNvPr id="40" name="Rectangle 39">
+            <a:extLst>
+              <a:ext uri="{FF2B5EF4-FFF2-40B4-BE49-F238E27FC236}">
+                <a16:creationId xmlns:a16="http://schemas.microsoft.com/office/drawing/2014/main" id="{E27EECBE-34A0-5A43-B7FC-CD61ED482C0C}"/>
+              </a:ext>
+            </a:extLst>
+          </p:cNvPr>
+          <p:cNvSpPr/>
+          <p:nvPr/>
+        </p:nvSpPr>
+        <p:spPr>
+          <a:xfrm>
+            <a:off x="5528919" y="2685412"/>
+            <a:ext cx="1134161" cy="350144"/>
+          </a:xfrm>
+          <a:prstGeom prst="rect">
+            <a:avLst/>
+          </a:prstGeom>
+          <a:solidFill>
+            <a:schemeClr val="accent3">
+              <a:lumMod val="20000"/>
+              <a:lumOff val="80000"/>
+            </a:schemeClr>
+          </a:solidFill>
+          <a:ln>
+            <a:noFill/>
+          </a:ln>
+        </p:spPr>
+        <p:style>
+          <a:lnRef idx="2">
+            <a:schemeClr val="accent1">
+              <a:shade val="50000"/>
+            </a:schemeClr>
+          </a:lnRef>
+          <a:fillRef idx="1">
+            <a:schemeClr val="accent1"/>
+          </a:fillRef>
+          <a:effectRef idx="0">
+            <a:schemeClr val="accent1"/>
+          </a:effectRef>
+          <a:fontRef idx="minor">
+            <a:schemeClr val="lt1"/>
+          </a:fontRef>
+        </p:style>
+        <p:txBody>
+          <a:bodyPr rtlCol="0" anchor="ctr"/>
+          <a:lstStyle/>
+          <a:p>
+            <a:pPr algn="ctr"/>
+            <a:r>
+              <a:rPr lang="en-US" b="1">
+                <a:solidFill>
+                  <a:schemeClr val="tx1"/>
+                </a:solidFill>
+              </a:rPr>
+              <a:t>Example</a:t>
+            </a:r>
+          </a:p>
+        </p:txBody>
+      </p:sp>
+      <p:sp>
+        <p:nvSpPr>
+          <p:cNvPr id="41" name="Rectangle 40">
+            <a:extLst>
+              <a:ext uri="{FF2B5EF4-FFF2-40B4-BE49-F238E27FC236}">
+                <a16:creationId xmlns:a16="http://schemas.microsoft.com/office/drawing/2014/main" id="{6685A288-658A-F548-A228-1768E0FCFE92}"/>
+              </a:ext>
+            </a:extLst>
+          </p:cNvPr>
+          <p:cNvSpPr/>
+          <p:nvPr/>
+        </p:nvSpPr>
+        <p:spPr>
+          <a:xfrm>
+            <a:off x="5528919" y="3179053"/>
+            <a:ext cx="1134161" cy="350144"/>
+          </a:xfrm>
+          <a:prstGeom prst="rect">
+            <a:avLst/>
+          </a:prstGeom>
+          <a:solidFill>
+            <a:schemeClr val="accent3">
+              <a:lumMod val="40000"/>
+              <a:lumOff val="60000"/>
+            </a:schemeClr>
+          </a:solidFill>
+          <a:ln>
+            <a:noFill/>
+          </a:ln>
+        </p:spPr>
+        <p:style>
+          <a:lnRef idx="2">
+            <a:schemeClr val="accent1">
+              <a:shade val="50000"/>
+            </a:schemeClr>
+          </a:lnRef>
+          <a:fillRef idx="1">
+            <a:schemeClr val="accent1"/>
+          </a:fillRef>
+          <a:effectRef idx="0">
+            <a:schemeClr val="accent1"/>
+          </a:effectRef>
+          <a:fontRef idx="minor">
+            <a:schemeClr val="lt1"/>
+          </a:fontRef>
+        </p:style>
+        <p:txBody>
+          <a:bodyPr rtlCol="0" anchor="ctr"/>
+          <a:lstStyle/>
+          <a:p>
+            <a:pPr algn="ctr"/>
+            <a:r>
+              <a:rPr lang="en-US" b="1">
+                <a:solidFill>
+                  <a:schemeClr val="tx1"/>
+                </a:solidFill>
+              </a:rPr>
+              <a:t>Example</a:t>
+            </a:r>
+          </a:p>
+        </p:txBody>
+      </p:sp>
+      <p:sp>
+        <p:nvSpPr>
+          <p:cNvPr id="42" name="Rectangle 41">
+            <a:extLst>
+              <a:ext uri="{FF2B5EF4-FFF2-40B4-BE49-F238E27FC236}">
+                <a16:creationId xmlns:a16="http://schemas.microsoft.com/office/drawing/2014/main" id="{1B300CED-D2B2-1F47-8DC4-6A23F6E9BEDA}"/>
+              </a:ext>
+            </a:extLst>
+          </p:cNvPr>
+          <p:cNvSpPr/>
+          <p:nvPr/>
+        </p:nvSpPr>
+        <p:spPr>
+          <a:xfrm>
+            <a:off x="5528919" y="3672695"/>
+            <a:ext cx="1134161" cy="350144"/>
+          </a:xfrm>
+          <a:prstGeom prst="rect">
+            <a:avLst/>
+          </a:prstGeom>
+          <a:solidFill>
+            <a:schemeClr val="accent3">
+              <a:lumMod val="60000"/>
+              <a:lumOff val="40000"/>
+            </a:schemeClr>
+          </a:solidFill>
+          <a:ln>
+            <a:noFill/>
+          </a:ln>
+        </p:spPr>
+        <p:style>
+          <a:lnRef idx="2">
+            <a:schemeClr val="accent1">
+              <a:shade val="50000"/>
+            </a:schemeClr>
+          </a:lnRef>
+          <a:fillRef idx="1">
+            <a:schemeClr val="accent1"/>
+          </a:fillRef>
+          <a:effectRef idx="0">
+            <a:schemeClr val="accent1"/>
+          </a:effectRef>
+          <a:fontRef idx="minor">
+            <a:schemeClr val="lt1"/>
+          </a:fontRef>
+        </p:style>
+        <p:txBody>
+          <a:bodyPr rtlCol="0" anchor="ctr"/>
+          <a:lstStyle/>
+          <a:p>
+            <a:pPr algn="ctr"/>
+            <a:r>
+              <a:rPr lang="en-US" b="1">
+                <a:solidFill>
+                  <a:schemeClr val="tx1"/>
+                </a:solidFill>
+              </a:rPr>
+              <a:t>Example</a:t>
+            </a:r>
+          </a:p>
+        </p:txBody>
+      </p:sp>
+      <p:sp>
+        <p:nvSpPr>
+          <p:cNvPr id="43" name="Rectangle 42">
+            <a:extLst>
+              <a:ext uri="{FF2B5EF4-FFF2-40B4-BE49-F238E27FC236}">
+                <a16:creationId xmlns:a16="http://schemas.microsoft.com/office/drawing/2014/main" id="{7F0A89DF-5A1D-DF4F-8AD1-4AF689F6123E}"/>
+              </a:ext>
+            </a:extLst>
+          </p:cNvPr>
+          <p:cNvSpPr/>
+          <p:nvPr/>
+        </p:nvSpPr>
+        <p:spPr>
+          <a:xfrm>
+            <a:off x="7040765" y="1847879"/>
+            <a:ext cx="1134161" cy="350144"/>
+          </a:xfrm>
+          <a:prstGeom prst="rect">
+            <a:avLst/>
+          </a:prstGeom>
+          <a:solidFill>
+            <a:schemeClr val="accent4"/>
+          </a:solidFill>
+          <a:ln>
+            <a:noFill/>
+          </a:ln>
+        </p:spPr>
+        <p:style>
+          <a:lnRef idx="2">
+            <a:schemeClr val="accent1">
+              <a:shade val="50000"/>
+            </a:schemeClr>
+          </a:lnRef>
+          <a:fillRef idx="1">
+            <a:schemeClr val="accent1"/>
+          </a:fillRef>
+          <a:effectRef idx="0">
+            <a:schemeClr val="accent1"/>
+          </a:effectRef>
+          <a:fontRef idx="minor">
+            <a:schemeClr val="lt1"/>
+          </a:fontRef>
+        </p:style>
+        <p:txBody>
+          <a:bodyPr rtlCol="0" anchor="ctr"/>
+          <a:lstStyle/>
+          <a:p>
+            <a:pPr algn="ctr"/>
+            <a:r>
+              <a:rPr lang="en-US" b="1">
+                <a:solidFill>
+                  <a:schemeClr val="tx1"/>
+                </a:solidFill>
+              </a:rPr>
+              <a:t>Example</a:t>
+            </a:r>
+          </a:p>
+        </p:txBody>
+      </p:sp>
+      <p:sp>
+        <p:nvSpPr>
+          <p:cNvPr id="44" name="Rectangle 43">
+            <a:extLst>
+              <a:ext uri="{FF2B5EF4-FFF2-40B4-BE49-F238E27FC236}">
+                <a16:creationId xmlns:a16="http://schemas.microsoft.com/office/drawing/2014/main" id="{04623193-8AF2-9E49-91EC-E36866954DD0}"/>
+              </a:ext>
+            </a:extLst>
+          </p:cNvPr>
+          <p:cNvSpPr/>
+          <p:nvPr/>
+        </p:nvSpPr>
+        <p:spPr>
+          <a:xfrm>
+            <a:off x="7040765" y="2685412"/>
+            <a:ext cx="1134161" cy="350144"/>
+          </a:xfrm>
+          <a:prstGeom prst="rect">
+            <a:avLst/>
+          </a:prstGeom>
+          <a:solidFill>
+            <a:schemeClr val="accent4">
+              <a:lumMod val="20000"/>
+              <a:lumOff val="80000"/>
+            </a:schemeClr>
+          </a:solidFill>
+          <a:ln>
+            <a:noFill/>
+          </a:ln>
+        </p:spPr>
+        <p:style>
+          <a:lnRef idx="2">
+            <a:schemeClr val="accent1">
+              <a:shade val="50000"/>
+            </a:schemeClr>
+          </a:lnRef>
+          <a:fillRef idx="1">
+            <a:schemeClr val="accent1"/>
+          </a:fillRef>
+          <a:effectRef idx="0">
+            <a:schemeClr val="accent1"/>
+          </a:effectRef>
+          <a:fontRef idx="minor">
+            <a:schemeClr val="lt1"/>
+          </a:fontRef>
+        </p:style>
+        <p:txBody>
+          <a:bodyPr rtlCol="0" anchor="ctr"/>
+          <a:lstStyle/>
+          <a:p>
+            <a:pPr algn="ctr"/>
+            <a:r>
+              <a:rPr lang="en-US" b="1">
+                <a:solidFill>
+                  <a:schemeClr val="tx1"/>
+                </a:solidFill>
+              </a:rPr>
+              <a:t>Example</a:t>
+            </a:r>
+          </a:p>
+        </p:txBody>
+      </p:sp>
+      <p:sp>
+        <p:nvSpPr>
+          <p:cNvPr id="45" name="Rectangle 44">
+            <a:extLst>
+              <a:ext uri="{FF2B5EF4-FFF2-40B4-BE49-F238E27FC236}">
+                <a16:creationId xmlns:a16="http://schemas.microsoft.com/office/drawing/2014/main" id="{E8DE8E8E-C7DA-4E48-BDB3-493FC3AF69F9}"/>
+              </a:ext>
+            </a:extLst>
+          </p:cNvPr>
+          <p:cNvSpPr/>
+          <p:nvPr/>
+        </p:nvSpPr>
+        <p:spPr>
+          <a:xfrm>
+            <a:off x="7040765" y="3179053"/>
+            <a:ext cx="1134161" cy="350144"/>
+          </a:xfrm>
+          <a:prstGeom prst="rect">
+            <a:avLst/>
+          </a:prstGeom>
+          <a:solidFill>
+            <a:schemeClr val="accent4">
+              <a:lumMod val="40000"/>
+              <a:lumOff val="60000"/>
+            </a:schemeClr>
+          </a:solidFill>
+          <a:ln>
+            <a:noFill/>
+          </a:ln>
+        </p:spPr>
+        <p:style>
+          <a:lnRef idx="2">
+            <a:schemeClr val="accent1">
+              <a:shade val="50000"/>
+            </a:schemeClr>
+          </a:lnRef>
+          <a:fillRef idx="1">
+            <a:schemeClr val="accent1"/>
+          </a:fillRef>
+          <a:effectRef idx="0">
+            <a:schemeClr val="accent1"/>
+          </a:effectRef>
+          <a:fontRef idx="minor">
+            <a:schemeClr val="lt1"/>
+          </a:fontRef>
+        </p:style>
+        <p:txBody>
+          <a:bodyPr rtlCol="0" anchor="ctr"/>
+          <a:lstStyle/>
+          <a:p>
+            <a:pPr algn="ctr"/>
+            <a:r>
+              <a:rPr lang="en-US" b="1">
+                <a:solidFill>
+                  <a:schemeClr val="tx1"/>
+                </a:solidFill>
+              </a:rPr>
+              <a:t>Example</a:t>
+            </a:r>
+          </a:p>
+        </p:txBody>
+      </p:sp>
+      <p:sp>
+        <p:nvSpPr>
+          <p:cNvPr id="46" name="Rectangle 45">
+            <a:extLst>
+              <a:ext uri="{FF2B5EF4-FFF2-40B4-BE49-F238E27FC236}">
+                <a16:creationId xmlns:a16="http://schemas.microsoft.com/office/drawing/2014/main" id="{5B65B239-D770-F54A-8CDC-A0AD0829AF4B}"/>
+              </a:ext>
+            </a:extLst>
+          </p:cNvPr>
+          <p:cNvSpPr/>
+          <p:nvPr/>
+        </p:nvSpPr>
+        <p:spPr>
+          <a:xfrm>
+            <a:off x="7040765" y="3672695"/>
+            <a:ext cx="1134161" cy="350144"/>
+          </a:xfrm>
+          <a:prstGeom prst="rect">
+            <a:avLst/>
+          </a:prstGeom>
+          <a:solidFill>
+            <a:schemeClr val="accent4">
+              <a:lumMod val="60000"/>
+              <a:lumOff val="40000"/>
+            </a:schemeClr>
+          </a:solidFill>
+          <a:ln>
+            <a:noFill/>
+          </a:ln>
+        </p:spPr>
+        <p:style>
+          <a:lnRef idx="2">
+            <a:schemeClr val="accent1">
+              <a:shade val="50000"/>
+            </a:schemeClr>
+          </a:lnRef>
+          <a:fillRef idx="1">
+            <a:schemeClr val="accent1"/>
+          </a:fillRef>
+          <a:effectRef idx="0">
+            <a:schemeClr val="accent1"/>
+          </a:effectRef>
+          <a:fontRef idx="minor">
+            <a:schemeClr val="lt1"/>
+          </a:fontRef>
+        </p:style>
+        <p:txBody>
+          <a:bodyPr rtlCol="0" anchor="ctr"/>
+          <a:lstStyle/>
+          <a:p>
+            <a:pPr algn="ctr"/>
+            <a:r>
+              <a:rPr lang="en-US" b="1">
+                <a:solidFill>
+                  <a:schemeClr val="tx1"/>
+                </a:solidFill>
+              </a:rPr>
+              <a:t>Example</a:t>
+            </a:r>
+          </a:p>
+        </p:txBody>
+      </p:sp>
+      <p:sp>
+        <p:nvSpPr>
+          <p:cNvPr id="47" name="Rectangle 46">
+            <a:extLst>
+              <a:ext uri="{FF2B5EF4-FFF2-40B4-BE49-F238E27FC236}">
+                <a16:creationId xmlns:a16="http://schemas.microsoft.com/office/drawing/2014/main" id="{31BF5D7E-1051-BD49-916C-15DB68266D83}"/>
+              </a:ext>
+            </a:extLst>
+          </p:cNvPr>
+          <p:cNvSpPr/>
+          <p:nvPr/>
+        </p:nvSpPr>
+        <p:spPr>
+          <a:xfrm>
+            <a:off x="8552611" y="2685412"/>
+            <a:ext cx="1134161" cy="350144"/>
+          </a:xfrm>
+          <a:prstGeom prst="rect">
+            <a:avLst/>
+          </a:prstGeom>
+          <a:solidFill>
+            <a:schemeClr val="accent5">
+              <a:lumMod val="20000"/>
+              <a:lumOff val="80000"/>
+            </a:schemeClr>
+          </a:solidFill>
+          <a:ln>
+            <a:noFill/>
+          </a:ln>
+        </p:spPr>
+        <p:style>
+          <a:lnRef idx="2">
+            <a:schemeClr val="accent1">
+              <a:shade val="50000"/>
+            </a:schemeClr>
+          </a:lnRef>
+          <a:fillRef idx="1">
+            <a:schemeClr val="accent1"/>
+          </a:fillRef>
+          <a:effectRef idx="0">
+            <a:schemeClr val="accent1"/>
+          </a:effectRef>
+          <a:fontRef idx="minor">
+            <a:schemeClr val="lt1"/>
+          </a:fontRef>
+        </p:style>
+        <p:txBody>
+          <a:bodyPr rtlCol="0" anchor="ctr"/>
+          <a:lstStyle/>
+          <a:p>
+            <a:pPr algn="ctr"/>
+            <a:r>
+              <a:rPr lang="en-US" b="1">
+                <a:solidFill>
+                  <a:schemeClr val="tx1"/>
+                </a:solidFill>
+              </a:rPr>
+              <a:t>Example</a:t>
+            </a:r>
+          </a:p>
+        </p:txBody>
+      </p:sp>
+      <p:sp>
+        <p:nvSpPr>
+          <p:cNvPr id="48" name="Rectangle 47">
+            <a:extLst>
+              <a:ext uri="{FF2B5EF4-FFF2-40B4-BE49-F238E27FC236}">
+                <a16:creationId xmlns:a16="http://schemas.microsoft.com/office/drawing/2014/main" id="{C6E6A6F3-25A7-DB47-AD93-3CEA9EA643CB}"/>
+              </a:ext>
+            </a:extLst>
+          </p:cNvPr>
+          <p:cNvSpPr/>
+          <p:nvPr/>
+        </p:nvSpPr>
+        <p:spPr>
+          <a:xfrm>
+            <a:off x="8552611" y="3179053"/>
+            <a:ext cx="1134161" cy="350144"/>
+          </a:xfrm>
+          <a:prstGeom prst="rect">
+            <a:avLst/>
+          </a:prstGeom>
+          <a:solidFill>
+            <a:schemeClr val="accent5">
+              <a:lumMod val="40000"/>
+              <a:lumOff val="60000"/>
+            </a:schemeClr>
+          </a:solidFill>
+          <a:ln>
+            <a:noFill/>
+          </a:ln>
+        </p:spPr>
+        <p:style>
+          <a:lnRef idx="2">
+            <a:schemeClr val="accent1">
+              <a:shade val="50000"/>
+            </a:schemeClr>
+          </a:lnRef>
+          <a:fillRef idx="1">
+            <a:schemeClr val="accent1"/>
+          </a:fillRef>
+          <a:effectRef idx="0">
+            <a:schemeClr val="accent1"/>
+          </a:effectRef>
+          <a:fontRef idx="minor">
+            <a:schemeClr val="lt1"/>
+          </a:fontRef>
+        </p:style>
+        <p:txBody>
+          <a:bodyPr rtlCol="0" anchor="ctr"/>
+          <a:lstStyle/>
+          <a:p>
+            <a:pPr algn="ctr"/>
+            <a:r>
+              <a:rPr lang="en-US" b="1">
+                <a:solidFill>
+                  <a:schemeClr val="tx1"/>
+                </a:solidFill>
+              </a:rPr>
+              <a:t>Example</a:t>
+            </a:r>
+          </a:p>
+        </p:txBody>
+      </p:sp>
+      <p:sp>
+        <p:nvSpPr>
+          <p:cNvPr id="49" name="Rectangle 48">
+            <a:extLst>
+              <a:ext uri="{FF2B5EF4-FFF2-40B4-BE49-F238E27FC236}">
+                <a16:creationId xmlns:a16="http://schemas.microsoft.com/office/drawing/2014/main" id="{44D7420B-C36D-2A4C-B0E1-DF00C7C92FD0}"/>
+              </a:ext>
+            </a:extLst>
+          </p:cNvPr>
+          <p:cNvSpPr/>
+          <p:nvPr/>
+        </p:nvSpPr>
+        <p:spPr>
+          <a:xfrm>
+            <a:off x="8552611" y="3672695"/>
+            <a:ext cx="1134161" cy="350144"/>
+          </a:xfrm>
+          <a:prstGeom prst="rect">
+            <a:avLst/>
+          </a:prstGeom>
+          <a:solidFill>
+            <a:schemeClr val="accent5">
+              <a:lumMod val="60000"/>
+              <a:lumOff val="40000"/>
+            </a:schemeClr>
+          </a:solidFill>
+          <a:ln>
+            <a:noFill/>
+          </a:ln>
+        </p:spPr>
+        <p:style>
+          <a:lnRef idx="2">
+            <a:schemeClr val="accent1">
+              <a:shade val="50000"/>
+            </a:schemeClr>
+          </a:lnRef>
+          <a:fillRef idx="1">
+            <a:schemeClr val="accent1"/>
+          </a:fillRef>
+          <a:effectRef idx="0">
+            <a:schemeClr val="accent1"/>
+          </a:effectRef>
+          <a:fontRef idx="minor">
+            <a:schemeClr val="lt1"/>
+          </a:fontRef>
+        </p:style>
+        <p:txBody>
+          <a:bodyPr rtlCol="0" anchor="ctr"/>
+          <a:lstStyle/>
+          <a:p>
+            <a:pPr algn="ctr"/>
+            <a:r>
+              <a:rPr lang="en-US" b="1">
+                <a:solidFill>
+                  <a:schemeClr val="tx1"/>
+                </a:solidFill>
+              </a:rPr>
+              <a:t>Example</a:t>
+            </a:r>
+          </a:p>
+        </p:txBody>
+      </p:sp>
+      <p:sp>
+        <p:nvSpPr>
+          <p:cNvPr id="50" name="Rectangle 49">
+            <a:extLst>
+              <a:ext uri="{FF2B5EF4-FFF2-40B4-BE49-F238E27FC236}">
+                <a16:creationId xmlns:a16="http://schemas.microsoft.com/office/drawing/2014/main" id="{6B5F9297-6E57-F64F-867F-0C0E4DA602C9}"/>
+              </a:ext>
+            </a:extLst>
+          </p:cNvPr>
+          <p:cNvSpPr/>
+          <p:nvPr/>
+        </p:nvSpPr>
+        <p:spPr>
+          <a:xfrm>
+            <a:off x="10064458" y="2685412"/>
+            <a:ext cx="1134161" cy="350144"/>
+          </a:xfrm>
+          <a:prstGeom prst="rect">
+            <a:avLst/>
+          </a:prstGeom>
+          <a:solidFill>
+            <a:schemeClr val="accent6">
+              <a:lumMod val="20000"/>
+              <a:lumOff val="80000"/>
+            </a:schemeClr>
+          </a:solidFill>
+          <a:ln>
+            <a:noFill/>
+          </a:ln>
+        </p:spPr>
+        <p:style>
+          <a:lnRef idx="2">
+            <a:schemeClr val="accent1">
+              <a:shade val="50000"/>
+            </a:schemeClr>
+          </a:lnRef>
+          <a:fillRef idx="1">
+            <a:schemeClr val="accent1"/>
+          </a:fillRef>
+          <a:effectRef idx="0">
+            <a:schemeClr val="accent1"/>
+          </a:effectRef>
+          <a:fontRef idx="minor">
+            <a:schemeClr val="lt1"/>
+          </a:fontRef>
+        </p:style>
+        <p:txBody>
+          <a:bodyPr rtlCol="0" anchor="ctr"/>
+          <a:lstStyle/>
+          <a:p>
+            <a:pPr algn="ctr"/>
+            <a:r>
+              <a:rPr lang="en-US" b="1">
+                <a:solidFill>
+                  <a:schemeClr val="tx1"/>
+                </a:solidFill>
+              </a:rPr>
+              <a:t>Example</a:t>
+            </a:r>
+          </a:p>
+        </p:txBody>
+      </p:sp>
+      <p:sp>
+        <p:nvSpPr>
+          <p:cNvPr id="51" name="Rectangle 50">
+            <a:extLst>
+              <a:ext uri="{FF2B5EF4-FFF2-40B4-BE49-F238E27FC236}">
+                <a16:creationId xmlns:a16="http://schemas.microsoft.com/office/drawing/2014/main" id="{99F9CCDD-65A2-CE4A-B4CB-9A97D970B538}"/>
+              </a:ext>
+            </a:extLst>
+          </p:cNvPr>
+          <p:cNvSpPr/>
+          <p:nvPr/>
+        </p:nvSpPr>
+        <p:spPr>
+          <a:xfrm>
+            <a:off x="10064458" y="3179053"/>
+            <a:ext cx="1134161" cy="350144"/>
+          </a:xfrm>
+          <a:prstGeom prst="rect">
+            <a:avLst/>
+          </a:prstGeom>
+          <a:solidFill>
+            <a:schemeClr val="accent6">
+              <a:lumMod val="40000"/>
+              <a:lumOff val="60000"/>
+            </a:schemeClr>
+          </a:solidFill>
+          <a:ln>
+            <a:noFill/>
+          </a:ln>
+        </p:spPr>
+        <p:style>
+          <a:lnRef idx="2">
+            <a:schemeClr val="accent1">
+              <a:shade val="50000"/>
+            </a:schemeClr>
+          </a:lnRef>
+          <a:fillRef idx="1">
+            <a:schemeClr val="accent1"/>
+          </a:fillRef>
+          <a:effectRef idx="0">
+            <a:schemeClr val="accent1"/>
+          </a:effectRef>
+          <a:fontRef idx="minor">
+            <a:schemeClr val="lt1"/>
+          </a:fontRef>
+        </p:style>
+        <p:txBody>
+          <a:bodyPr rtlCol="0" anchor="ctr"/>
+          <a:lstStyle/>
+          <a:p>
+            <a:pPr algn="ctr"/>
+            <a:r>
+              <a:rPr lang="en-US" b="1">
+                <a:solidFill>
+                  <a:schemeClr val="tx1"/>
+                </a:solidFill>
+              </a:rPr>
+              <a:t>Example</a:t>
+            </a:r>
+          </a:p>
+        </p:txBody>
+      </p:sp>
+      <p:sp>
+        <p:nvSpPr>
+          <p:cNvPr id="52" name="Rectangle 51">
+            <a:extLst>
+              <a:ext uri="{FF2B5EF4-FFF2-40B4-BE49-F238E27FC236}">
+                <a16:creationId xmlns:a16="http://schemas.microsoft.com/office/drawing/2014/main" id="{9C4C97FD-CE15-E94C-A147-AAD0A038CAA6}"/>
+              </a:ext>
+            </a:extLst>
+          </p:cNvPr>
+          <p:cNvSpPr/>
+          <p:nvPr/>
+        </p:nvSpPr>
+        <p:spPr>
+          <a:xfrm>
+            <a:off x="10064458" y="3672695"/>
+            <a:ext cx="1134161" cy="350144"/>
+          </a:xfrm>
+          <a:prstGeom prst="rect">
+            <a:avLst/>
+          </a:prstGeom>
+          <a:solidFill>
+            <a:schemeClr val="accent6">
+              <a:lumMod val="60000"/>
+              <a:lumOff val="40000"/>
+            </a:schemeClr>
+          </a:solidFill>
+          <a:ln>
+            <a:noFill/>
+          </a:ln>
+        </p:spPr>
+        <p:style>
+          <a:lnRef idx="2">
+            <a:schemeClr val="accent1">
+              <a:shade val="50000"/>
+            </a:schemeClr>
+          </a:lnRef>
+          <a:fillRef idx="1">
+            <a:schemeClr val="accent1"/>
+          </a:fillRef>
+          <a:effectRef idx="0">
+            <a:schemeClr val="accent1"/>
+          </a:effectRef>
+          <a:fontRef idx="minor">
+            <a:schemeClr val="lt1"/>
+          </a:fontRef>
+        </p:style>
+        <p:txBody>
+          <a:bodyPr rtlCol="0" anchor="ctr"/>
+          <a:lstStyle/>
+          <a:p>
+            <a:pPr algn="ctr"/>
+            <a:r>
+              <a:rPr lang="en-US" b="1">
+                <a:solidFill>
+                  <a:schemeClr val="tx1"/>
+                </a:solidFill>
+              </a:rPr>
+              <a:t>Example</a:t>
+            </a:r>
+          </a:p>
+        </p:txBody>
+      </p:sp>
+      <p:grpSp>
+        <p:nvGrpSpPr>
+          <p:cNvPr id="2" name="Group 1">
+            <a:extLst>
+              <a:ext uri="{FF2B5EF4-FFF2-40B4-BE49-F238E27FC236}">
+                <a16:creationId xmlns:a16="http://schemas.microsoft.com/office/drawing/2014/main" id="{8A58A728-751E-B142-AF30-9858DE776131}"/>
+              </a:ext>
+            </a:extLst>
+          </p:cNvPr>
+          <p:cNvGrpSpPr/>
+          <p:nvPr/>
+        </p:nvGrpSpPr>
+        <p:grpSpPr>
+          <a:xfrm>
+            <a:off x="993380" y="1847879"/>
+            <a:ext cx="10205238" cy="3162242"/>
+            <a:chOff x="993381" y="1847879"/>
+            <a:chExt cx="10205238" cy="3162242"/>
+          </a:xfrm>
+        </p:grpSpPr>
+        <p:sp>
+          <p:nvSpPr>
+            <p:cNvPr id="3" name="Rectangle 2">
+              <a:extLst>
+                <a:ext uri="{FF2B5EF4-FFF2-40B4-BE49-F238E27FC236}">
+                  <a16:creationId xmlns:a16="http://schemas.microsoft.com/office/drawing/2014/main" id="{23594A4E-6D49-1540-B228-69D87A57B602}"/>
+                </a:ext>
+              </a:extLst>
+            </p:cNvPr>
+            <p:cNvSpPr/>
+            <p:nvPr/>
+          </p:nvSpPr>
+          <p:spPr>
+            <a:xfrm>
+              <a:off x="2505227" y="4166336"/>
+              <a:ext cx="1134161" cy="350144"/>
+            </a:xfrm>
+            <a:prstGeom prst="rect">
+              <a:avLst/>
+            </a:prstGeom>
+            <a:solidFill>
+              <a:schemeClr val="accent1">
+                <a:lumMod val="75000"/>
+              </a:schemeClr>
+            </a:solidFill>
+            <a:ln>
+              <a:noFill/>
+            </a:ln>
+          </p:spPr>
+          <p:style>
+            <a:lnRef idx="2">
+              <a:schemeClr val="accent1">
+                <a:shade val="50000"/>
+              </a:schemeClr>
+            </a:lnRef>
+            <a:fillRef idx="1">
+              <a:schemeClr val="accent1"/>
+            </a:fillRef>
+            <a:effectRef idx="0">
+              <a:schemeClr val="accent1"/>
+            </a:effectRef>
+            <a:fontRef idx="minor">
+              <a:schemeClr val="lt1"/>
+            </a:fontRef>
+          </p:style>
+          <p:txBody>
+            <a:bodyPr rtlCol="0" anchor="ctr"/>
+            <a:lstStyle/>
+            <a:p>
+              <a:pPr algn="ctr"/>
+              <a:r>
+                <a:rPr lang="en-US" b="1">
+                  <a:solidFill>
+                    <a:schemeClr val="bg1"/>
+                  </a:solidFill>
+                </a:rPr>
+                <a:t>Example</a:t>
+              </a:r>
+            </a:p>
+          </p:txBody>
+        </p:sp>
+        <p:sp>
+          <p:nvSpPr>
+            <p:cNvPr id="4" name="Rectangle 3">
+              <a:extLst>
+                <a:ext uri="{FF2B5EF4-FFF2-40B4-BE49-F238E27FC236}">
+                  <a16:creationId xmlns:a16="http://schemas.microsoft.com/office/drawing/2014/main" id="{0B05A9C2-7DFB-F54D-8E9B-0115D173BBC9}"/>
+                </a:ext>
+              </a:extLst>
+            </p:cNvPr>
+            <p:cNvSpPr/>
+            <p:nvPr/>
+          </p:nvSpPr>
+          <p:spPr>
+            <a:xfrm>
+              <a:off x="2505227" y="4659977"/>
+              <a:ext cx="1134161" cy="350144"/>
+            </a:xfrm>
+            <a:prstGeom prst="rect">
+              <a:avLst/>
+            </a:prstGeom>
+            <a:solidFill>
+              <a:schemeClr val="accent1">
+                <a:lumMod val="50000"/>
+              </a:schemeClr>
+            </a:solidFill>
+            <a:ln>
+              <a:noFill/>
+            </a:ln>
+          </p:spPr>
+          <p:style>
+            <a:lnRef idx="2">
+              <a:schemeClr val="accent1">
+                <a:shade val="50000"/>
+              </a:schemeClr>
+            </a:lnRef>
+            <a:fillRef idx="1">
+              <a:schemeClr val="accent1"/>
+            </a:fillRef>
+            <a:effectRef idx="0">
+              <a:schemeClr val="accent1"/>
+            </a:effectRef>
+            <a:fontRef idx="minor">
+              <a:schemeClr val="lt1"/>
+            </a:fontRef>
+          </p:style>
+          <p:txBody>
+            <a:bodyPr rtlCol="0" anchor="ctr"/>
+            <a:lstStyle/>
+            <a:p>
+              <a:pPr algn="ctr"/>
+              <a:r>
+                <a:rPr lang="en-US" b="1">
+                  <a:solidFill>
+                    <a:schemeClr val="bg1"/>
+                  </a:solidFill>
+                </a:rPr>
+                <a:t>Example</a:t>
+              </a:r>
+            </a:p>
+          </p:txBody>
+        </p:sp>
+        <p:sp>
+          <p:nvSpPr>
+            <p:cNvPr id="6" name="Rectangle 5">
+              <a:extLst>
+                <a:ext uri="{FF2B5EF4-FFF2-40B4-BE49-F238E27FC236}">
+                  <a16:creationId xmlns:a16="http://schemas.microsoft.com/office/drawing/2014/main" id="{D94B05B9-9D08-EB4F-B0FF-18CBD808CF52}"/>
+                </a:ext>
+              </a:extLst>
+            </p:cNvPr>
+            <p:cNvSpPr/>
+            <p:nvPr/>
+          </p:nvSpPr>
+          <p:spPr>
+            <a:xfrm>
+              <a:off x="993381" y="3672695"/>
+              <a:ext cx="1134161" cy="350144"/>
+            </a:xfrm>
+            <a:prstGeom prst="rect">
+              <a:avLst/>
+            </a:prstGeom>
+            <a:solidFill>
+              <a:schemeClr val="tx2">
+                <a:lumMod val="60000"/>
+                <a:lumOff val="40000"/>
+              </a:schemeClr>
+            </a:solidFill>
+            <a:ln>
+              <a:noFill/>
+            </a:ln>
+          </p:spPr>
+          <p:style>
+            <a:lnRef idx="2">
+              <a:schemeClr val="accent1">
+                <a:shade val="50000"/>
+              </a:schemeClr>
+            </a:lnRef>
+            <a:fillRef idx="1">
+              <a:schemeClr val="accent1"/>
+            </a:fillRef>
+            <a:effectRef idx="0">
+              <a:schemeClr val="accent1"/>
+            </a:effectRef>
+            <a:fontRef idx="minor">
+              <a:schemeClr val="lt1"/>
+            </a:fontRef>
+          </p:style>
+          <p:txBody>
+            <a:bodyPr rtlCol="0" anchor="ctr"/>
+            <a:lstStyle/>
+            <a:p>
+              <a:pPr algn="ctr"/>
+              <a:r>
+                <a:rPr lang="en-US" b="1">
+                  <a:solidFill>
+                    <a:schemeClr val="bg1"/>
+                  </a:solidFill>
+                </a:rPr>
+                <a:t>Example</a:t>
+              </a:r>
+            </a:p>
+          </p:txBody>
+        </p:sp>
+        <p:sp>
+          <p:nvSpPr>
+            <p:cNvPr id="7" name="Rectangle 6">
+              <a:extLst>
+                <a:ext uri="{FF2B5EF4-FFF2-40B4-BE49-F238E27FC236}">
+                  <a16:creationId xmlns:a16="http://schemas.microsoft.com/office/drawing/2014/main" id="{5BE02C1F-BCC9-9645-B598-91C0EA1ED3E1}"/>
+                </a:ext>
+              </a:extLst>
+            </p:cNvPr>
+            <p:cNvSpPr/>
+            <p:nvPr/>
+          </p:nvSpPr>
+          <p:spPr>
+            <a:xfrm>
+              <a:off x="993381" y="4166336"/>
+              <a:ext cx="1134161" cy="350144"/>
+            </a:xfrm>
+            <a:prstGeom prst="rect">
+              <a:avLst/>
+            </a:prstGeom>
+            <a:solidFill>
+              <a:schemeClr val="tx2">
+                <a:lumMod val="75000"/>
+              </a:schemeClr>
+            </a:solidFill>
+            <a:ln>
+              <a:noFill/>
+            </a:ln>
+          </p:spPr>
+          <p:style>
+            <a:lnRef idx="2">
+              <a:schemeClr val="accent1">
+                <a:shade val="50000"/>
+              </a:schemeClr>
+            </a:lnRef>
+            <a:fillRef idx="1">
+              <a:schemeClr val="accent1"/>
+            </a:fillRef>
+            <a:effectRef idx="0">
+              <a:schemeClr val="accent1"/>
+            </a:effectRef>
+            <a:fontRef idx="minor">
+              <a:schemeClr val="lt1"/>
+            </a:fontRef>
+          </p:style>
+          <p:txBody>
+            <a:bodyPr rtlCol="0" anchor="ctr"/>
+            <a:lstStyle/>
+            <a:p>
+              <a:pPr algn="ctr"/>
+              <a:r>
+                <a:rPr lang="en-US" b="1">
+                  <a:solidFill>
+                    <a:schemeClr val="bg1"/>
+                  </a:solidFill>
+                </a:rPr>
+                <a:t>Example</a:t>
+              </a:r>
+            </a:p>
+          </p:txBody>
+        </p:sp>
+        <p:sp>
+          <p:nvSpPr>
+            <p:cNvPr id="8" name="Rectangle 7">
+              <a:extLst>
+                <a:ext uri="{FF2B5EF4-FFF2-40B4-BE49-F238E27FC236}">
+                  <a16:creationId xmlns:a16="http://schemas.microsoft.com/office/drawing/2014/main" id="{7559B154-6D79-EA43-83C8-B197FC441B84}"/>
+                </a:ext>
+              </a:extLst>
+            </p:cNvPr>
+            <p:cNvSpPr/>
+            <p:nvPr/>
+          </p:nvSpPr>
+          <p:spPr>
+            <a:xfrm>
+              <a:off x="993381" y="4659977"/>
+              <a:ext cx="1134161" cy="350144"/>
+            </a:xfrm>
+            <a:prstGeom prst="rect">
+              <a:avLst/>
+            </a:prstGeom>
+            <a:solidFill>
+              <a:schemeClr val="tx2">
+                <a:lumMod val="50000"/>
+              </a:schemeClr>
+            </a:solidFill>
+            <a:ln>
+              <a:noFill/>
+            </a:ln>
+          </p:spPr>
+          <p:style>
+            <a:lnRef idx="2">
+              <a:schemeClr val="accent1">
+                <a:shade val="50000"/>
+              </a:schemeClr>
+            </a:lnRef>
+            <a:fillRef idx="1">
+              <a:schemeClr val="accent1"/>
+            </a:fillRef>
+            <a:effectRef idx="0">
+              <a:schemeClr val="accent1"/>
+            </a:effectRef>
+            <a:fontRef idx="minor">
+              <a:schemeClr val="lt1"/>
+            </a:fontRef>
+          </p:style>
+          <p:txBody>
+            <a:bodyPr rtlCol="0" anchor="ctr"/>
+            <a:lstStyle/>
+            <a:p>
+              <a:pPr algn="ctr"/>
+              <a:r>
+                <a:rPr lang="en-US" b="1">
+                  <a:solidFill>
+                    <a:schemeClr val="bg1"/>
+                  </a:solidFill>
+                </a:rPr>
+                <a:t>Example</a:t>
+              </a:r>
+            </a:p>
+          </p:txBody>
+        </p:sp>
+        <p:sp>
+          <p:nvSpPr>
+            <p:cNvPr id="9" name="Rectangle 8">
+              <a:extLst>
+                <a:ext uri="{FF2B5EF4-FFF2-40B4-BE49-F238E27FC236}">
+                  <a16:creationId xmlns:a16="http://schemas.microsoft.com/office/drawing/2014/main" id="{7D4587BF-0C7C-7D41-A8EC-132E8195F857}"/>
+                </a:ext>
+              </a:extLst>
+            </p:cNvPr>
+            <p:cNvSpPr/>
+            <p:nvPr/>
+          </p:nvSpPr>
+          <p:spPr>
+            <a:xfrm>
+              <a:off x="4017073" y="1847879"/>
+              <a:ext cx="1134161" cy="350144"/>
+            </a:xfrm>
+            <a:prstGeom prst="rect">
+              <a:avLst/>
+            </a:prstGeom>
+            <a:solidFill>
+              <a:schemeClr val="accent2"/>
+            </a:solidFill>
+            <a:ln>
+              <a:noFill/>
+            </a:ln>
+          </p:spPr>
+          <p:style>
+            <a:lnRef idx="2">
+              <a:schemeClr val="accent1">
+                <a:shade val="50000"/>
+              </a:schemeClr>
+            </a:lnRef>
+            <a:fillRef idx="1">
+              <a:schemeClr val="accent1"/>
+            </a:fillRef>
+            <a:effectRef idx="0">
+              <a:schemeClr val="accent1"/>
+            </a:effectRef>
+            <a:fontRef idx="minor">
+              <a:schemeClr val="lt1"/>
+            </a:fontRef>
+          </p:style>
+          <p:txBody>
+            <a:bodyPr rtlCol="0" anchor="ctr"/>
+            <a:lstStyle/>
+            <a:p>
+              <a:pPr algn="ctr"/>
+              <a:r>
+                <a:rPr lang="en-US" b="1">
+                  <a:solidFill>
+                    <a:schemeClr val="bg1"/>
+                  </a:solidFill>
+                </a:rPr>
+                <a:t>Example</a:t>
+              </a:r>
+            </a:p>
+          </p:txBody>
+        </p:sp>
+        <p:sp>
+          <p:nvSpPr>
+            <p:cNvPr id="10" name="Rectangle 9">
+              <a:extLst>
+                <a:ext uri="{FF2B5EF4-FFF2-40B4-BE49-F238E27FC236}">
+                  <a16:creationId xmlns:a16="http://schemas.microsoft.com/office/drawing/2014/main" id="{C58FA935-29C7-C34B-ACAB-2B109F6DD57D}"/>
+                </a:ext>
+              </a:extLst>
+            </p:cNvPr>
+            <p:cNvSpPr/>
+            <p:nvPr/>
+          </p:nvSpPr>
+          <p:spPr>
+            <a:xfrm>
+              <a:off x="4017073" y="4166336"/>
+              <a:ext cx="1134161" cy="350144"/>
+            </a:xfrm>
+            <a:prstGeom prst="rect">
+              <a:avLst/>
+            </a:prstGeom>
+            <a:solidFill>
+              <a:schemeClr val="accent2">
+                <a:lumMod val="75000"/>
+              </a:schemeClr>
+            </a:solidFill>
+            <a:ln>
+              <a:noFill/>
+            </a:ln>
+          </p:spPr>
+          <p:style>
+            <a:lnRef idx="2">
+              <a:schemeClr val="accent1">
+                <a:shade val="50000"/>
+              </a:schemeClr>
+            </a:lnRef>
+            <a:fillRef idx="1">
+              <a:schemeClr val="accent1"/>
+            </a:fillRef>
+            <a:effectRef idx="0">
+              <a:schemeClr val="accent1"/>
+            </a:effectRef>
+            <a:fontRef idx="minor">
+              <a:schemeClr val="lt1"/>
+            </a:fontRef>
+          </p:style>
+          <p:txBody>
+            <a:bodyPr rtlCol="0" anchor="ctr"/>
+            <a:lstStyle/>
+            <a:p>
+              <a:pPr algn="ctr"/>
+              <a:r>
+                <a:rPr lang="en-US" b="1">
+                  <a:solidFill>
+                    <a:schemeClr val="bg1"/>
+                  </a:solidFill>
+                </a:rPr>
+                <a:t>Example</a:t>
+              </a:r>
+            </a:p>
+          </p:txBody>
+        </p:sp>
+        <p:sp>
+          <p:nvSpPr>
+            <p:cNvPr id="11" name="Rectangle 10">
+              <a:extLst>
+                <a:ext uri="{FF2B5EF4-FFF2-40B4-BE49-F238E27FC236}">
+                  <a16:creationId xmlns:a16="http://schemas.microsoft.com/office/drawing/2014/main" id="{A6A111AA-1554-CA41-82D8-25624C2B3431}"/>
+                </a:ext>
+              </a:extLst>
+            </p:cNvPr>
+            <p:cNvSpPr/>
+            <p:nvPr/>
+          </p:nvSpPr>
+          <p:spPr>
+            <a:xfrm>
+              <a:off x="4017073" y="4659977"/>
+              <a:ext cx="1134161" cy="350144"/>
+            </a:xfrm>
+            <a:prstGeom prst="rect">
+              <a:avLst/>
+            </a:prstGeom>
+            <a:solidFill>
+              <a:schemeClr val="accent2">
+                <a:lumMod val="50000"/>
+              </a:schemeClr>
+            </a:solidFill>
+            <a:ln>
+              <a:noFill/>
+            </a:ln>
+          </p:spPr>
+          <p:style>
+            <a:lnRef idx="2">
+              <a:schemeClr val="accent1">
+                <a:shade val="50000"/>
+              </a:schemeClr>
+            </a:lnRef>
+            <a:fillRef idx="1">
+              <a:schemeClr val="accent1"/>
+            </a:fillRef>
+            <a:effectRef idx="0">
+              <a:schemeClr val="accent1"/>
+            </a:effectRef>
+            <a:fontRef idx="minor">
+              <a:schemeClr val="lt1"/>
+            </a:fontRef>
+          </p:style>
+          <p:txBody>
+            <a:bodyPr rtlCol="0" anchor="ctr"/>
+            <a:lstStyle/>
+            <a:p>
+              <a:pPr algn="ctr"/>
+              <a:r>
+                <a:rPr lang="en-US" b="1">
+                  <a:solidFill>
+                    <a:schemeClr val="bg1"/>
+                  </a:solidFill>
+                </a:rPr>
+                <a:t>Example</a:t>
+              </a:r>
+            </a:p>
+          </p:txBody>
+        </p:sp>
+        <p:sp>
+          <p:nvSpPr>
+            <p:cNvPr id="12" name="Rectangle 11">
+              <a:extLst>
+                <a:ext uri="{FF2B5EF4-FFF2-40B4-BE49-F238E27FC236}">
+                  <a16:creationId xmlns:a16="http://schemas.microsoft.com/office/drawing/2014/main" id="{C1E3FA3F-ED97-C14E-A98A-ED7F5FD6EA6B}"/>
+                </a:ext>
+              </a:extLst>
+            </p:cNvPr>
+            <p:cNvSpPr/>
+            <p:nvPr/>
+          </p:nvSpPr>
+          <p:spPr>
+            <a:xfrm>
+              <a:off x="5528919" y="1847879"/>
+              <a:ext cx="1134161" cy="350144"/>
+            </a:xfrm>
+            <a:prstGeom prst="rect">
+              <a:avLst/>
+            </a:prstGeom>
+            <a:solidFill>
+              <a:schemeClr val="accent3"/>
+            </a:solidFill>
+            <a:ln>
+              <a:noFill/>
+            </a:ln>
+          </p:spPr>
+          <p:style>
+            <a:lnRef idx="2">
+              <a:schemeClr val="accent1">
+                <a:shade val="50000"/>
+              </a:schemeClr>
+            </a:lnRef>
+            <a:fillRef idx="1">
+              <a:schemeClr val="accent1"/>
+            </a:fillRef>
+            <a:effectRef idx="0">
+              <a:schemeClr val="accent1"/>
+            </a:effectRef>
+            <a:fontRef idx="minor">
+              <a:schemeClr val="lt1"/>
+            </a:fontRef>
+          </p:style>
+          <p:txBody>
+            <a:bodyPr rtlCol="0" anchor="ctr"/>
+            <a:lstStyle/>
+            <a:p>
+              <a:pPr algn="ctr"/>
+              <a:r>
+                <a:rPr lang="en-US" b="1">
+                  <a:solidFill>
+                    <a:schemeClr val="bg1"/>
+                  </a:solidFill>
+                </a:rPr>
+                <a:t>Example</a:t>
+              </a:r>
+            </a:p>
+          </p:txBody>
+        </p:sp>
+        <p:sp>
+          <p:nvSpPr>
+            <p:cNvPr id="13" name="Rectangle 12">
+              <a:extLst>
+                <a:ext uri="{FF2B5EF4-FFF2-40B4-BE49-F238E27FC236}">
+                  <a16:creationId xmlns:a16="http://schemas.microsoft.com/office/drawing/2014/main" id="{FDF17CAA-A43E-274F-896F-5EF6DFEE3C0F}"/>
+                </a:ext>
+              </a:extLst>
+            </p:cNvPr>
+            <p:cNvSpPr/>
+            <p:nvPr/>
+          </p:nvSpPr>
+          <p:spPr>
+            <a:xfrm>
+              <a:off x="5528919" y="4166336"/>
+              <a:ext cx="1134161" cy="350144"/>
+            </a:xfrm>
+            <a:prstGeom prst="rect">
+              <a:avLst/>
+            </a:prstGeom>
+            <a:solidFill>
+              <a:schemeClr val="accent3">
+                <a:lumMod val="75000"/>
+              </a:schemeClr>
+            </a:solidFill>
+            <a:ln>
+              <a:noFill/>
+            </a:ln>
+          </p:spPr>
+          <p:style>
+            <a:lnRef idx="2">
+              <a:schemeClr val="accent1">
+                <a:shade val="50000"/>
+              </a:schemeClr>
+            </a:lnRef>
+            <a:fillRef idx="1">
+              <a:schemeClr val="accent1"/>
+            </a:fillRef>
+            <a:effectRef idx="0">
+              <a:schemeClr val="accent1"/>
+            </a:effectRef>
+            <a:fontRef idx="minor">
+              <a:schemeClr val="lt1"/>
+            </a:fontRef>
+          </p:style>
+          <p:txBody>
+            <a:bodyPr rtlCol="0" anchor="ctr"/>
+            <a:lstStyle/>
+            <a:p>
+              <a:pPr algn="ctr"/>
+              <a:r>
+                <a:rPr lang="en-US" b="1">
+                  <a:solidFill>
+                    <a:schemeClr val="bg1"/>
+                  </a:solidFill>
+                </a:rPr>
+                <a:t>Example</a:t>
+              </a:r>
+            </a:p>
+          </p:txBody>
+        </p:sp>
+        <p:sp>
+          <p:nvSpPr>
+            <p:cNvPr id="14" name="Rectangle 13">
+              <a:extLst>
+                <a:ext uri="{FF2B5EF4-FFF2-40B4-BE49-F238E27FC236}">
+                  <a16:creationId xmlns:a16="http://schemas.microsoft.com/office/drawing/2014/main" id="{505F08FE-D39B-0545-8187-925E2DB4692B}"/>
+                </a:ext>
+              </a:extLst>
+            </p:cNvPr>
+            <p:cNvSpPr/>
+            <p:nvPr/>
+          </p:nvSpPr>
+          <p:spPr>
+            <a:xfrm>
+              <a:off x="5528919" y="4659977"/>
+              <a:ext cx="1134161" cy="350144"/>
+            </a:xfrm>
+            <a:prstGeom prst="rect">
+              <a:avLst/>
+            </a:prstGeom>
+            <a:solidFill>
+              <a:schemeClr val="accent3">
+                <a:lumMod val="50000"/>
+              </a:schemeClr>
+            </a:solidFill>
+            <a:ln>
+              <a:noFill/>
+            </a:ln>
+          </p:spPr>
+          <p:style>
+            <a:lnRef idx="2">
+              <a:schemeClr val="accent1">
+                <a:shade val="50000"/>
+              </a:schemeClr>
+            </a:lnRef>
+            <a:fillRef idx="1">
+              <a:schemeClr val="accent1"/>
+            </a:fillRef>
+            <a:effectRef idx="0">
+              <a:schemeClr val="accent1"/>
+            </a:effectRef>
+            <a:fontRef idx="minor">
+              <a:schemeClr val="lt1"/>
+            </a:fontRef>
+          </p:style>
+          <p:txBody>
+            <a:bodyPr rtlCol="0" anchor="ctr"/>
+            <a:lstStyle/>
+            <a:p>
+              <a:pPr algn="ctr"/>
+              <a:r>
+                <a:rPr lang="en-US" b="1">
+                  <a:solidFill>
+                    <a:schemeClr val="bg1"/>
+                  </a:solidFill>
+                </a:rPr>
+                <a:t>Example</a:t>
+              </a:r>
+            </a:p>
+          </p:txBody>
+        </p:sp>
+        <p:sp>
+          <p:nvSpPr>
+            <p:cNvPr id="15" name="Rectangle 14">
+              <a:extLst>
+                <a:ext uri="{FF2B5EF4-FFF2-40B4-BE49-F238E27FC236}">
+                  <a16:creationId xmlns:a16="http://schemas.microsoft.com/office/drawing/2014/main" id="{64245949-0DBE-3740-83D3-5B9BB42D0812}"/>
+                </a:ext>
+              </a:extLst>
+            </p:cNvPr>
+            <p:cNvSpPr/>
+            <p:nvPr/>
+          </p:nvSpPr>
+          <p:spPr>
+            <a:xfrm>
+              <a:off x="7040765" y="1847879"/>
+              <a:ext cx="1134161" cy="350144"/>
+            </a:xfrm>
+            <a:prstGeom prst="rect">
+              <a:avLst/>
+            </a:prstGeom>
+            <a:solidFill>
+              <a:schemeClr val="accent4"/>
+            </a:solidFill>
+            <a:ln>
+              <a:noFill/>
+            </a:ln>
+          </p:spPr>
+          <p:style>
+            <a:lnRef idx="2">
+              <a:schemeClr val="accent1">
+                <a:shade val="50000"/>
+              </a:schemeClr>
+            </a:lnRef>
+            <a:fillRef idx="1">
+              <a:schemeClr val="accent1"/>
+            </a:fillRef>
+            <a:effectRef idx="0">
+              <a:schemeClr val="accent1"/>
+            </a:effectRef>
+            <a:fontRef idx="minor">
+              <a:schemeClr val="lt1"/>
+            </a:fontRef>
+          </p:style>
+          <p:txBody>
+            <a:bodyPr rtlCol="0" anchor="ctr"/>
+            <a:lstStyle/>
+            <a:p>
+              <a:pPr algn="ctr"/>
+              <a:r>
+                <a:rPr lang="en-US" b="1">
+                  <a:solidFill>
+                    <a:schemeClr val="bg1"/>
+                  </a:solidFill>
+                </a:rPr>
+                <a:t>Example</a:t>
+              </a:r>
+            </a:p>
+          </p:txBody>
+        </p:sp>
+        <p:sp>
+          <p:nvSpPr>
+            <p:cNvPr id="16" name="Rectangle 15">
+              <a:extLst>
+                <a:ext uri="{FF2B5EF4-FFF2-40B4-BE49-F238E27FC236}">
+                  <a16:creationId xmlns:a16="http://schemas.microsoft.com/office/drawing/2014/main" id="{ADC48BA8-B78B-824B-A7F4-F69976C258D7}"/>
+                </a:ext>
+              </a:extLst>
+            </p:cNvPr>
+            <p:cNvSpPr/>
+            <p:nvPr/>
+          </p:nvSpPr>
+          <p:spPr>
+            <a:xfrm>
+              <a:off x="7040765" y="3672695"/>
+              <a:ext cx="1134161" cy="350144"/>
+            </a:xfrm>
+            <a:prstGeom prst="rect">
+              <a:avLst/>
+            </a:prstGeom>
+            <a:solidFill>
+              <a:schemeClr val="accent4">
+                <a:lumMod val="60000"/>
+                <a:lumOff val="40000"/>
+              </a:schemeClr>
+            </a:solidFill>
+            <a:ln>
+              <a:noFill/>
+            </a:ln>
+          </p:spPr>
+          <p:style>
+            <a:lnRef idx="2">
+              <a:schemeClr val="accent1">
+                <a:shade val="50000"/>
+              </a:schemeClr>
+            </a:lnRef>
+            <a:fillRef idx="1">
+              <a:schemeClr val="accent1"/>
+            </a:fillRef>
+            <a:effectRef idx="0">
+              <a:schemeClr val="accent1"/>
+            </a:effectRef>
+            <a:fontRef idx="minor">
+              <a:schemeClr val="lt1"/>
+            </a:fontRef>
+          </p:style>
+          <p:txBody>
+            <a:bodyPr rtlCol="0" anchor="ctr"/>
+            <a:lstStyle/>
+            <a:p>
+              <a:pPr algn="ctr"/>
+              <a:r>
+                <a:rPr lang="en-US" b="1">
+                  <a:solidFill>
+                    <a:schemeClr val="bg1"/>
+                  </a:solidFill>
+                </a:rPr>
+                <a:t>Example</a:t>
+              </a:r>
+            </a:p>
+          </p:txBody>
+        </p:sp>
+        <p:sp>
+          <p:nvSpPr>
+            <p:cNvPr id="17" name="Rectangle 16">
+              <a:extLst>
+                <a:ext uri="{FF2B5EF4-FFF2-40B4-BE49-F238E27FC236}">
+                  <a16:creationId xmlns:a16="http://schemas.microsoft.com/office/drawing/2014/main" id="{160B0B4F-5FC0-6E44-8CE9-A05F7E326256}"/>
+                </a:ext>
+              </a:extLst>
+            </p:cNvPr>
+            <p:cNvSpPr/>
+            <p:nvPr/>
+          </p:nvSpPr>
+          <p:spPr>
+            <a:xfrm>
+              <a:off x="7040765" y="4166336"/>
+              <a:ext cx="1134161" cy="350144"/>
+            </a:xfrm>
+            <a:prstGeom prst="rect">
+              <a:avLst/>
+            </a:prstGeom>
+            <a:solidFill>
+              <a:schemeClr val="accent4">
+                <a:lumMod val="75000"/>
+              </a:schemeClr>
+            </a:solidFill>
+            <a:ln>
+              <a:noFill/>
+            </a:ln>
+          </p:spPr>
+          <p:style>
+            <a:lnRef idx="2">
+              <a:schemeClr val="accent1">
+                <a:shade val="50000"/>
+              </a:schemeClr>
+            </a:lnRef>
+            <a:fillRef idx="1">
+              <a:schemeClr val="accent1"/>
+            </a:fillRef>
+            <a:effectRef idx="0">
+              <a:schemeClr val="accent1"/>
+            </a:effectRef>
+            <a:fontRef idx="minor">
+              <a:schemeClr val="lt1"/>
+            </a:fontRef>
+          </p:style>
+          <p:txBody>
+            <a:bodyPr rtlCol="0" anchor="ctr"/>
+            <a:lstStyle/>
+            <a:p>
+              <a:pPr algn="ctr"/>
+              <a:r>
+                <a:rPr lang="en-US" b="1">
+                  <a:solidFill>
+                    <a:schemeClr val="bg1"/>
+                  </a:solidFill>
+                </a:rPr>
+                <a:t>Example</a:t>
+              </a:r>
+            </a:p>
+          </p:txBody>
+        </p:sp>
+        <p:sp>
+          <p:nvSpPr>
+            <p:cNvPr id="18" name="Rectangle 17">
+              <a:extLst>
+                <a:ext uri="{FF2B5EF4-FFF2-40B4-BE49-F238E27FC236}">
+                  <a16:creationId xmlns:a16="http://schemas.microsoft.com/office/drawing/2014/main" id="{6E4913C3-A3AE-9F43-A651-70FFB4D810BF}"/>
+                </a:ext>
+              </a:extLst>
+            </p:cNvPr>
+            <p:cNvSpPr/>
+            <p:nvPr/>
+          </p:nvSpPr>
+          <p:spPr>
+            <a:xfrm>
+              <a:off x="7040765" y="4659977"/>
+              <a:ext cx="1134161" cy="350144"/>
+            </a:xfrm>
+            <a:prstGeom prst="rect">
+              <a:avLst/>
+            </a:prstGeom>
+            <a:solidFill>
+              <a:schemeClr val="accent4">
+                <a:lumMod val="50000"/>
+              </a:schemeClr>
+            </a:solidFill>
+            <a:ln>
+              <a:noFill/>
+            </a:ln>
+          </p:spPr>
+          <p:style>
+            <a:lnRef idx="2">
+              <a:schemeClr val="accent1">
+                <a:shade val="50000"/>
+              </a:schemeClr>
+            </a:lnRef>
+            <a:fillRef idx="1">
+              <a:schemeClr val="accent1"/>
+            </a:fillRef>
+            <a:effectRef idx="0">
+              <a:schemeClr val="accent1"/>
+            </a:effectRef>
+            <a:fontRef idx="minor">
+              <a:schemeClr val="lt1"/>
+            </a:fontRef>
+          </p:style>
+          <p:txBody>
+            <a:bodyPr rtlCol="0" anchor="ctr"/>
+            <a:lstStyle/>
+            <a:p>
+              <a:pPr algn="ctr"/>
+              <a:r>
+                <a:rPr lang="en-US" b="1">
+                  <a:solidFill>
+                    <a:schemeClr val="bg1"/>
+                  </a:solidFill>
+                </a:rPr>
+                <a:t>Example</a:t>
+              </a:r>
+            </a:p>
+          </p:txBody>
+        </p:sp>
+        <p:sp>
+          <p:nvSpPr>
+            <p:cNvPr id="19" name="Rectangle 18">
+              <a:extLst>
+                <a:ext uri="{FF2B5EF4-FFF2-40B4-BE49-F238E27FC236}">
+                  <a16:creationId xmlns:a16="http://schemas.microsoft.com/office/drawing/2014/main" id="{C4C923E0-AECA-804A-B83F-7FF71175991D}"/>
+                </a:ext>
+              </a:extLst>
+            </p:cNvPr>
+            <p:cNvSpPr/>
+            <p:nvPr/>
+          </p:nvSpPr>
+          <p:spPr>
+            <a:xfrm>
+              <a:off x="8552611" y="1847879"/>
+              <a:ext cx="1134161" cy="350144"/>
+            </a:xfrm>
+            <a:prstGeom prst="rect">
+              <a:avLst/>
+            </a:prstGeom>
+            <a:solidFill>
+              <a:schemeClr val="accent5"/>
+            </a:solidFill>
+            <a:ln>
+              <a:noFill/>
+            </a:ln>
+          </p:spPr>
+          <p:style>
+            <a:lnRef idx="2">
+              <a:schemeClr val="accent1">
+                <a:shade val="50000"/>
+              </a:schemeClr>
+            </a:lnRef>
+            <a:fillRef idx="1">
+              <a:schemeClr val="accent1"/>
+            </a:fillRef>
+            <a:effectRef idx="0">
+              <a:schemeClr val="accent1"/>
+            </a:effectRef>
+            <a:fontRef idx="minor">
+              <a:schemeClr val="lt1"/>
+            </a:fontRef>
+          </p:style>
+          <p:txBody>
+            <a:bodyPr rtlCol="0" anchor="ctr"/>
+            <a:lstStyle/>
+            <a:p>
+              <a:pPr algn="ctr"/>
+              <a:r>
+                <a:rPr lang="en-US" b="1">
+                  <a:solidFill>
+                    <a:schemeClr val="bg1"/>
+                  </a:solidFill>
+                </a:rPr>
+                <a:t>Example</a:t>
+              </a:r>
+            </a:p>
+          </p:txBody>
+        </p:sp>
+        <p:sp>
+          <p:nvSpPr>
+            <p:cNvPr id="20" name="Rectangle 19">
+              <a:extLst>
+                <a:ext uri="{FF2B5EF4-FFF2-40B4-BE49-F238E27FC236}">
+                  <a16:creationId xmlns:a16="http://schemas.microsoft.com/office/drawing/2014/main" id="{227E0413-2306-8449-83C2-B5B5DB0E9713}"/>
+                </a:ext>
+              </a:extLst>
+            </p:cNvPr>
+            <p:cNvSpPr/>
+            <p:nvPr/>
+          </p:nvSpPr>
+          <p:spPr>
+            <a:xfrm>
+              <a:off x="8552611" y="3179053"/>
+              <a:ext cx="1134161" cy="350144"/>
+            </a:xfrm>
+            <a:prstGeom prst="rect">
+              <a:avLst/>
+            </a:prstGeom>
+            <a:solidFill>
+              <a:schemeClr val="accent5">
+                <a:lumMod val="40000"/>
+                <a:lumOff val="60000"/>
+              </a:schemeClr>
+            </a:solidFill>
+            <a:ln>
+              <a:noFill/>
+            </a:ln>
+          </p:spPr>
+          <p:style>
+            <a:lnRef idx="2">
+              <a:schemeClr val="accent1">
+                <a:shade val="50000"/>
+              </a:schemeClr>
+            </a:lnRef>
+            <a:fillRef idx="1">
+              <a:schemeClr val="accent1"/>
+            </a:fillRef>
+            <a:effectRef idx="0">
+              <a:schemeClr val="accent1"/>
+            </a:effectRef>
+            <a:fontRef idx="minor">
+              <a:schemeClr val="lt1"/>
+            </a:fontRef>
+          </p:style>
+          <p:txBody>
+            <a:bodyPr rtlCol="0" anchor="ctr"/>
+            <a:lstStyle/>
+            <a:p>
+              <a:pPr algn="ctr"/>
+              <a:r>
+                <a:rPr lang="en-US" b="1">
+                  <a:solidFill>
+                    <a:schemeClr val="bg1"/>
+                  </a:solidFill>
+                </a:rPr>
+                <a:t>Example</a:t>
+              </a:r>
+            </a:p>
+          </p:txBody>
+        </p:sp>
+        <p:sp>
+          <p:nvSpPr>
+            <p:cNvPr id="21" name="Rectangle 20">
+              <a:extLst>
+                <a:ext uri="{FF2B5EF4-FFF2-40B4-BE49-F238E27FC236}">
+                  <a16:creationId xmlns:a16="http://schemas.microsoft.com/office/drawing/2014/main" id="{E3599100-82E9-6E42-8622-68C26CCE8CEB}"/>
+                </a:ext>
+              </a:extLst>
+            </p:cNvPr>
+            <p:cNvSpPr/>
+            <p:nvPr/>
+          </p:nvSpPr>
+          <p:spPr>
+            <a:xfrm>
+              <a:off x="8552611" y="3672695"/>
+              <a:ext cx="1134161" cy="350144"/>
+            </a:xfrm>
+            <a:prstGeom prst="rect">
+              <a:avLst/>
+            </a:prstGeom>
+            <a:solidFill>
+              <a:schemeClr val="accent5">
+                <a:lumMod val="60000"/>
+                <a:lumOff val="40000"/>
+              </a:schemeClr>
+            </a:solidFill>
+            <a:ln>
+              <a:noFill/>
+            </a:ln>
+          </p:spPr>
+          <p:style>
+            <a:lnRef idx="2">
+              <a:schemeClr val="accent1">
+                <a:shade val="50000"/>
+              </a:schemeClr>
+            </a:lnRef>
+            <a:fillRef idx="1">
+              <a:schemeClr val="accent1"/>
+            </a:fillRef>
+            <a:effectRef idx="0">
+              <a:schemeClr val="accent1"/>
+            </a:effectRef>
+            <a:fontRef idx="minor">
+              <a:schemeClr val="lt1"/>
+            </a:fontRef>
+          </p:style>
+          <p:txBody>
+            <a:bodyPr rtlCol="0" anchor="ctr"/>
+            <a:lstStyle/>
+            <a:p>
+              <a:pPr algn="ctr"/>
+              <a:r>
+                <a:rPr lang="en-US" b="1">
+                  <a:solidFill>
+                    <a:schemeClr val="bg1"/>
+                  </a:solidFill>
+                </a:rPr>
+                <a:t>Example</a:t>
+              </a:r>
+            </a:p>
+          </p:txBody>
+        </p:sp>
+        <p:sp>
+          <p:nvSpPr>
+            <p:cNvPr id="22" name="Rectangle 21">
+              <a:extLst>
+                <a:ext uri="{FF2B5EF4-FFF2-40B4-BE49-F238E27FC236}">
+                  <a16:creationId xmlns:a16="http://schemas.microsoft.com/office/drawing/2014/main" id="{43B11ACA-77F5-D94A-BFC5-FD8CCDA7DBF8}"/>
+                </a:ext>
+              </a:extLst>
+            </p:cNvPr>
+            <p:cNvSpPr/>
+            <p:nvPr/>
+          </p:nvSpPr>
+          <p:spPr>
+            <a:xfrm>
+              <a:off x="8552611" y="4166336"/>
+              <a:ext cx="1134161" cy="350144"/>
+            </a:xfrm>
+            <a:prstGeom prst="rect">
+              <a:avLst/>
+            </a:prstGeom>
+            <a:solidFill>
+              <a:schemeClr val="accent5">
+                <a:lumMod val="75000"/>
+              </a:schemeClr>
+            </a:solidFill>
+            <a:ln>
+              <a:noFill/>
+            </a:ln>
+          </p:spPr>
+          <p:style>
+            <a:lnRef idx="2">
+              <a:schemeClr val="accent1">
+                <a:shade val="50000"/>
+              </a:schemeClr>
+            </a:lnRef>
+            <a:fillRef idx="1">
+              <a:schemeClr val="accent1"/>
+            </a:fillRef>
+            <a:effectRef idx="0">
+              <a:schemeClr val="accent1"/>
+            </a:effectRef>
+            <a:fontRef idx="minor">
+              <a:schemeClr val="lt1"/>
+            </a:fontRef>
+          </p:style>
+          <p:txBody>
+            <a:bodyPr rtlCol="0" anchor="ctr"/>
+            <a:lstStyle/>
+            <a:p>
+              <a:pPr algn="ctr"/>
+              <a:r>
+                <a:rPr lang="en-US" b="1">
+                  <a:solidFill>
+                    <a:schemeClr val="bg1"/>
+                  </a:solidFill>
+                </a:rPr>
+                <a:t>Example</a:t>
+              </a:r>
+            </a:p>
+          </p:txBody>
+        </p:sp>
+        <p:sp>
+          <p:nvSpPr>
+            <p:cNvPr id="23" name="Rectangle 22">
+              <a:extLst>
+                <a:ext uri="{FF2B5EF4-FFF2-40B4-BE49-F238E27FC236}">
+                  <a16:creationId xmlns:a16="http://schemas.microsoft.com/office/drawing/2014/main" id="{96F7B70E-F476-8A41-B2D7-936E664FDACA}"/>
+                </a:ext>
+              </a:extLst>
+            </p:cNvPr>
+            <p:cNvSpPr/>
+            <p:nvPr/>
+          </p:nvSpPr>
+          <p:spPr>
+            <a:xfrm>
+              <a:off x="8552611" y="4659977"/>
+              <a:ext cx="1134161" cy="350144"/>
+            </a:xfrm>
+            <a:prstGeom prst="rect">
+              <a:avLst/>
+            </a:prstGeom>
+            <a:solidFill>
+              <a:schemeClr val="accent5">
+                <a:lumMod val="50000"/>
+              </a:schemeClr>
+            </a:solidFill>
+            <a:ln>
+              <a:noFill/>
+            </a:ln>
+          </p:spPr>
+          <p:style>
+            <a:lnRef idx="2">
+              <a:schemeClr val="accent1">
+                <a:shade val="50000"/>
+              </a:schemeClr>
+            </a:lnRef>
+            <a:fillRef idx="1">
+              <a:schemeClr val="accent1"/>
+            </a:fillRef>
+            <a:effectRef idx="0">
+              <a:schemeClr val="accent1"/>
+            </a:effectRef>
+            <a:fontRef idx="minor">
+              <a:schemeClr val="lt1"/>
+            </a:fontRef>
+          </p:style>
+          <p:txBody>
+            <a:bodyPr rtlCol="0" anchor="ctr"/>
+            <a:lstStyle/>
+            <a:p>
+              <a:pPr algn="ctr"/>
+              <a:r>
+                <a:rPr lang="en-US" b="1">
+                  <a:solidFill>
+                    <a:schemeClr val="bg1"/>
+                  </a:solidFill>
+                </a:rPr>
+                <a:t>Example</a:t>
+              </a:r>
+            </a:p>
+          </p:txBody>
+        </p:sp>
+        <p:sp>
+          <p:nvSpPr>
+            <p:cNvPr id="24" name="Rectangle 23">
+              <a:extLst>
+                <a:ext uri="{FF2B5EF4-FFF2-40B4-BE49-F238E27FC236}">
+                  <a16:creationId xmlns:a16="http://schemas.microsoft.com/office/drawing/2014/main" id="{7BAE187A-E653-CE4F-9899-B9094C82F568}"/>
+                </a:ext>
+              </a:extLst>
+            </p:cNvPr>
+            <p:cNvSpPr/>
+            <p:nvPr/>
+          </p:nvSpPr>
+          <p:spPr>
+            <a:xfrm>
+              <a:off x="10064458" y="1847879"/>
+              <a:ext cx="1134161" cy="350144"/>
+            </a:xfrm>
+            <a:prstGeom prst="rect">
+              <a:avLst/>
+            </a:prstGeom>
+            <a:solidFill>
+              <a:schemeClr val="accent6"/>
+            </a:solidFill>
+            <a:ln>
+              <a:noFill/>
+            </a:ln>
+          </p:spPr>
+          <p:style>
+            <a:lnRef idx="2">
+              <a:schemeClr val="accent1">
+                <a:shade val="50000"/>
+              </a:schemeClr>
+            </a:lnRef>
+            <a:fillRef idx="1">
+              <a:schemeClr val="accent1"/>
+            </a:fillRef>
+            <a:effectRef idx="0">
+              <a:schemeClr val="accent1"/>
+            </a:effectRef>
+            <a:fontRef idx="minor">
+              <a:schemeClr val="lt1"/>
+            </a:fontRef>
+          </p:style>
+          <p:txBody>
+            <a:bodyPr rtlCol="0" anchor="ctr"/>
+            <a:lstStyle/>
+            <a:p>
+              <a:pPr algn="ctr"/>
+              <a:r>
+                <a:rPr lang="en-US" b="1">
+                  <a:solidFill>
+                    <a:schemeClr val="bg1"/>
+                  </a:solidFill>
+                </a:rPr>
+                <a:t>Example</a:t>
+              </a:r>
+            </a:p>
+          </p:txBody>
+        </p:sp>
+        <p:sp>
+          <p:nvSpPr>
+            <p:cNvPr id="25" name="Rectangle 24">
+              <a:extLst>
+                <a:ext uri="{FF2B5EF4-FFF2-40B4-BE49-F238E27FC236}">
+                  <a16:creationId xmlns:a16="http://schemas.microsoft.com/office/drawing/2014/main" id="{66387CDF-BC2D-A246-84D6-22F744D94DA5}"/>
+                </a:ext>
+              </a:extLst>
+            </p:cNvPr>
+            <p:cNvSpPr/>
+            <p:nvPr/>
+          </p:nvSpPr>
+          <p:spPr>
+            <a:xfrm>
+              <a:off x="10064458" y="3672695"/>
+              <a:ext cx="1134161" cy="350144"/>
+            </a:xfrm>
+            <a:prstGeom prst="rect">
+              <a:avLst/>
+            </a:prstGeom>
+            <a:solidFill>
+              <a:schemeClr val="accent6">
+                <a:lumMod val="60000"/>
+                <a:lumOff val="40000"/>
+              </a:schemeClr>
+            </a:solidFill>
+            <a:ln>
+              <a:noFill/>
+            </a:ln>
+          </p:spPr>
+          <p:style>
+            <a:lnRef idx="2">
+              <a:schemeClr val="accent1">
+                <a:shade val="50000"/>
+              </a:schemeClr>
+            </a:lnRef>
+            <a:fillRef idx="1">
+              <a:schemeClr val="accent1"/>
+            </a:fillRef>
+            <a:effectRef idx="0">
+              <a:schemeClr val="accent1"/>
+            </a:effectRef>
+            <a:fontRef idx="minor">
+              <a:schemeClr val="lt1"/>
+            </a:fontRef>
+          </p:style>
+          <p:txBody>
+            <a:bodyPr rtlCol="0" anchor="ctr"/>
+            <a:lstStyle/>
+            <a:p>
+              <a:pPr algn="ctr"/>
+              <a:r>
+                <a:rPr lang="en-US" b="1">
+                  <a:solidFill>
+                    <a:schemeClr val="bg1"/>
+                  </a:solidFill>
+                </a:rPr>
+                <a:t>Example</a:t>
+              </a:r>
+            </a:p>
+          </p:txBody>
+        </p:sp>
+        <p:sp>
+          <p:nvSpPr>
+            <p:cNvPr id="26" name="Rectangle 25">
+              <a:extLst>
+                <a:ext uri="{FF2B5EF4-FFF2-40B4-BE49-F238E27FC236}">
+                  <a16:creationId xmlns:a16="http://schemas.microsoft.com/office/drawing/2014/main" id="{3CE87586-5E21-794C-9C3F-E7440D7A22C2}"/>
+                </a:ext>
+              </a:extLst>
+            </p:cNvPr>
+            <p:cNvSpPr/>
+            <p:nvPr/>
+          </p:nvSpPr>
+          <p:spPr>
+            <a:xfrm>
+              <a:off x="10064458" y="4166336"/>
+              <a:ext cx="1134161" cy="350144"/>
+            </a:xfrm>
+            <a:prstGeom prst="rect">
+              <a:avLst/>
+            </a:prstGeom>
+            <a:solidFill>
+              <a:schemeClr val="accent6">
+                <a:lumMod val="75000"/>
+              </a:schemeClr>
+            </a:solidFill>
+            <a:ln>
+              <a:noFill/>
+            </a:ln>
+          </p:spPr>
+          <p:style>
+            <a:lnRef idx="2">
+              <a:schemeClr val="accent1">
+                <a:shade val="50000"/>
+              </a:schemeClr>
+            </a:lnRef>
+            <a:fillRef idx="1">
+              <a:schemeClr val="accent1"/>
+            </a:fillRef>
+            <a:effectRef idx="0">
+              <a:schemeClr val="accent1"/>
+            </a:effectRef>
+            <a:fontRef idx="minor">
+              <a:schemeClr val="lt1"/>
+            </a:fontRef>
+          </p:style>
+          <p:txBody>
+            <a:bodyPr rtlCol="0" anchor="ctr"/>
+            <a:lstStyle/>
+            <a:p>
+              <a:pPr algn="ctr"/>
+              <a:r>
+                <a:rPr lang="en-US" b="1">
+                  <a:solidFill>
+                    <a:schemeClr val="bg1"/>
+                  </a:solidFill>
+                </a:rPr>
+                <a:t>Example</a:t>
+              </a:r>
+            </a:p>
+          </p:txBody>
+        </p:sp>
+        <p:sp>
+          <p:nvSpPr>
+            <p:cNvPr id="27" name="Rectangle 26">
+              <a:extLst>
+                <a:ext uri="{FF2B5EF4-FFF2-40B4-BE49-F238E27FC236}">
+                  <a16:creationId xmlns:a16="http://schemas.microsoft.com/office/drawing/2014/main" id="{EF400016-4607-7145-9D00-7E522B803E2D}"/>
+                </a:ext>
+              </a:extLst>
+            </p:cNvPr>
+            <p:cNvSpPr/>
+            <p:nvPr/>
+          </p:nvSpPr>
+          <p:spPr>
+            <a:xfrm>
+              <a:off x="10064458" y="4659977"/>
+              <a:ext cx="1134161" cy="350144"/>
+            </a:xfrm>
+            <a:prstGeom prst="rect">
+              <a:avLst/>
+            </a:prstGeom>
+            <a:solidFill>
+              <a:schemeClr val="accent6">
+                <a:lumMod val="50000"/>
+              </a:schemeClr>
+            </a:solidFill>
+            <a:ln>
+              <a:noFill/>
+            </a:ln>
+          </p:spPr>
+          <p:style>
+            <a:lnRef idx="2">
+              <a:schemeClr val="accent1">
+                <a:shade val="50000"/>
+              </a:schemeClr>
+            </a:lnRef>
+            <a:fillRef idx="1">
+              <a:schemeClr val="accent1"/>
+            </a:fillRef>
+            <a:effectRef idx="0">
+              <a:schemeClr val="accent1"/>
+            </a:effectRef>
+            <a:fontRef idx="minor">
+              <a:schemeClr val="lt1"/>
+            </a:fontRef>
+          </p:style>
+          <p:txBody>
+            <a:bodyPr rtlCol="0" anchor="ctr"/>
+            <a:lstStyle/>
+            <a:p>
+              <a:pPr algn="ctr"/>
+              <a:r>
+                <a:rPr lang="en-US" b="1">
+                  <a:solidFill>
+                    <a:schemeClr val="bg1"/>
+                  </a:solidFill>
+                </a:rPr>
+                <a:t>Example</a:t>
+              </a:r>
+            </a:p>
+          </p:txBody>
+        </p:sp>
+        <p:sp>
+          <p:nvSpPr>
+            <p:cNvPr id="5" name="Rectangle 4">
+              <a:extLst>
+                <a:ext uri="{FF2B5EF4-FFF2-40B4-BE49-F238E27FC236}">
+                  <a16:creationId xmlns:a16="http://schemas.microsoft.com/office/drawing/2014/main" id="{F93C2B86-6CB6-B749-97E4-075BCD00436A}"/>
+                </a:ext>
+              </a:extLst>
+            </p:cNvPr>
+            <p:cNvSpPr/>
+            <p:nvPr/>
+          </p:nvSpPr>
+          <p:spPr>
+            <a:xfrm>
+              <a:off x="993381" y="1847879"/>
+              <a:ext cx="1134161" cy="350144"/>
+            </a:xfrm>
+            <a:prstGeom prst="rect">
+              <a:avLst/>
+            </a:prstGeom>
+            <a:solidFill>
+              <a:schemeClr val="tx2"/>
+            </a:solidFill>
+            <a:ln>
+              <a:noFill/>
+            </a:ln>
+          </p:spPr>
+          <p:style>
+            <a:lnRef idx="2">
+              <a:schemeClr val="accent1">
+                <a:shade val="50000"/>
+              </a:schemeClr>
+            </a:lnRef>
+            <a:fillRef idx="1">
+              <a:schemeClr val="accent1"/>
+            </a:fillRef>
+            <a:effectRef idx="0">
+              <a:schemeClr val="accent1"/>
+            </a:effectRef>
+            <a:fontRef idx="minor">
+              <a:schemeClr val="lt1"/>
+            </a:fontRef>
+          </p:style>
+          <p:txBody>
+            <a:bodyPr rtlCol="0" anchor="ctr"/>
+            <a:lstStyle/>
+            <a:p>
+              <a:pPr algn="ctr"/>
+              <a:r>
+                <a:rPr lang="en-US" b="1">
+                  <a:solidFill>
+                    <a:schemeClr val="bg1"/>
+                  </a:solidFill>
+                </a:rPr>
+                <a:t>Example</a:t>
+              </a:r>
+            </a:p>
+          </p:txBody>
+        </p:sp>
+      </p:grpSp>
+    </p:spTree>
+    <p:extLst>
+      <p:ext uri="{BB962C8B-B14F-4D97-AF65-F5344CB8AC3E}">
+        <p14:creationId xmlns:p14="http://schemas.microsoft.com/office/powerpoint/2010/main" val="2951892774"/>
+      </p:ext>
+    </p:extLst>
+  </p:cSld>
+  <p:clrMapOvr>
+    <a:masterClrMapping/>
+  </p:clrMapOvr>
+</p:sld>
+</file>
+
+<file path=ppt/slides/slide3.xml><?xml version="1.0" encoding="utf-8"?>
 <p:sld xmlns:a="http://schemas.openxmlformats.org/drawingml/2006/main" xmlns:r="http://schemas.openxmlformats.org/officeDocument/2006/relationships" xmlns:p="http://schemas.openxmlformats.org/presentationml/2006/main">
   <p:cSld>
     <p:spTree>
@@ -4730,7 +8214,7 @@
 </p:sld>
 </file>
 
-<file path=ppt/slides/slide3.xml><?xml version="1.0" encoding="utf-8"?>
+<file path=ppt/slides/slide4.xml><?xml version="1.0" encoding="utf-8"?>
 <p:sld xmlns:a="http://schemas.openxmlformats.org/drawingml/2006/main" xmlns:r="http://schemas.openxmlformats.org/officeDocument/2006/relationships" xmlns:p="http://schemas.openxmlformats.org/presentationml/2006/main">
   <p:cSld>
     <p:spTree>
@@ -7368,39 +10852,153 @@
 </p:sld>
 </file>
 
+<file path=ppt/slides/slide5.xml><?xml version="1.0" encoding="utf-8"?>
+<p:sld xmlns:a="http://schemas.openxmlformats.org/drawingml/2006/main" xmlns:r="http://schemas.openxmlformats.org/officeDocument/2006/relationships" xmlns:p="http://schemas.openxmlformats.org/presentationml/2006/main">
+  <p:cSld>
+    <p:spTree>
+      <p:nvGrpSpPr>
+        <p:cNvPr id="1" name=""/>
+        <p:cNvGrpSpPr/>
+        <p:nvPr/>
+      </p:nvGrpSpPr>
+      <p:grpSpPr>
+        <a:xfrm>
+          <a:off x="0" y="0"/>
+          <a:ext cx="0" cy="0"/>
+          <a:chOff x="0" y="0"/>
+          <a:chExt cx="0" cy="0"/>
+        </a:xfrm>
+      </p:grpSpPr>
+      <p:sp>
+        <p:nvSpPr>
+          <p:cNvPr id="5" name="Text Placeholder 4">
+            <a:extLst>
+              <a:ext uri="{FF2B5EF4-FFF2-40B4-BE49-F238E27FC236}">
+                <a16:creationId xmlns:a16="http://schemas.microsoft.com/office/drawing/2014/main" id="{F2744C47-595A-9D4B-A01B-788C03273CDA}"/>
+              </a:ext>
+            </a:extLst>
+          </p:cNvPr>
+          <p:cNvSpPr>
+            <a:spLocks noGrp="1"/>
+          </p:cNvSpPr>
+          <p:nvPr>
+            <p:ph type="body" sz="quarter" idx="13"/>
+          </p:nvPr>
+        </p:nvSpPr>
+        <p:spPr/>
+        <p:txBody>
+          <a:bodyPr>
+            <a:normAutofit lnSpcReduction="10000"/>
+          </a:bodyPr>
+          <a:lstStyle/>
+          <a:p>
+            <a:endParaRPr lang="en-US"/>
+          </a:p>
+        </p:txBody>
+      </p:sp>
+    </p:spTree>
+    <p:extLst>
+      <p:ext uri="{BB962C8B-B14F-4D97-AF65-F5344CB8AC3E}">
+        <p14:creationId xmlns:p14="http://schemas.microsoft.com/office/powerpoint/2010/main" val="4019564565"/>
+      </p:ext>
+    </p:extLst>
+  </p:cSld>
+  <p:clrMapOvr>
+    <a:masterClrMapping/>
+  </p:clrMapOvr>
+</p:sld>
+</file>
+
+<file path=ppt/slides/slide6.xml><?xml version="1.0" encoding="utf-8"?>
+<p:sld xmlns:a="http://schemas.openxmlformats.org/drawingml/2006/main" xmlns:r="http://schemas.openxmlformats.org/officeDocument/2006/relationships" xmlns:p="http://schemas.openxmlformats.org/presentationml/2006/main">
+  <p:cSld>
+    <p:spTree>
+      <p:nvGrpSpPr>
+        <p:cNvPr id="1" name=""/>
+        <p:cNvGrpSpPr/>
+        <p:nvPr/>
+      </p:nvGrpSpPr>
+      <p:grpSpPr>
+        <a:xfrm>
+          <a:off x="0" y="0"/>
+          <a:ext cx="0" cy="0"/>
+          <a:chOff x="0" y="0"/>
+          <a:chExt cx="0" cy="0"/>
+        </a:xfrm>
+      </p:grpSpPr>
+      <p:sp>
+        <p:nvSpPr>
+          <p:cNvPr id="3" name="Text Placeholder 2">
+            <a:extLst>
+              <a:ext uri="{FF2B5EF4-FFF2-40B4-BE49-F238E27FC236}">
+                <a16:creationId xmlns:a16="http://schemas.microsoft.com/office/drawing/2014/main" id="{4F0FE759-2E04-6A4B-A8CB-2570D0F778A7}"/>
+              </a:ext>
+            </a:extLst>
+          </p:cNvPr>
+          <p:cNvSpPr>
+            <a:spLocks noGrp="1"/>
+          </p:cNvSpPr>
+          <p:nvPr>
+            <p:ph type="body" sz="quarter" idx="13"/>
+          </p:nvPr>
+        </p:nvSpPr>
+        <p:spPr/>
+        <p:txBody>
+          <a:bodyPr>
+            <a:normAutofit lnSpcReduction="10000"/>
+          </a:bodyPr>
+          <a:lstStyle/>
+          <a:p>
+            <a:endParaRPr lang="en-US"/>
+          </a:p>
+        </p:txBody>
+      </p:sp>
+    </p:spTree>
+    <p:extLst>
+      <p:ext uri="{BB962C8B-B14F-4D97-AF65-F5344CB8AC3E}">
+        <p14:creationId xmlns:p14="http://schemas.microsoft.com/office/powerpoint/2010/main" val="3449381257"/>
+      </p:ext>
+    </p:extLst>
+  </p:cSld>
+  <p:clrMapOvr>
+    <a:masterClrMapping/>
+  </p:clrMapOvr>
+</p:sld>
+</file>
+
 <file path=ppt/theme/theme1.xml><?xml version="1.0" encoding="utf-8"?>
 <a:theme xmlns:a="http://schemas.openxmlformats.org/drawingml/2006/main" name="2020ProgMTG">
   <a:themeElements>
-    <a:clrScheme name="Office">
+    <a:clrScheme name="Custom 2">
       <a:dk1>
-        <a:sysClr val="windowText" lastClr="000000"/>
+        <a:srgbClr val="000000"/>
       </a:dk1>
       <a:lt1>
-        <a:sysClr val="window" lastClr="FFFFFF"/>
+        <a:srgbClr val="FFFFFF"/>
       </a:lt1>
       <a:dk2>
-        <a:srgbClr val="44546A"/>
+        <a:srgbClr val="FFC734"/>
       </a:dk2>
       <a:lt2>
         <a:srgbClr val="E7E6E6"/>
       </a:lt2>
       <a:accent1>
-        <a:srgbClr val="4472C4"/>
+        <a:srgbClr val="3EBEA9"/>
       </a:accent1>
       <a:accent2>
-        <a:srgbClr val="ED7D31"/>
+        <a:srgbClr val="FF4200"/>
       </a:accent2>
       <a:accent3>
-        <a:srgbClr val="A5A5A5"/>
+        <a:srgbClr val="0072C2"/>
       </a:accent3>
       <a:accent4>
-        <a:srgbClr val="FFC000"/>
+        <a:srgbClr val="1D649E"/>
       </a:accent4>
       <a:accent5>
-        <a:srgbClr val="5B9BD5"/>
+        <a:srgbClr val="D12B33"/>
       </a:accent5>
       <a:accent6>
-        <a:srgbClr val="70AD47"/>
+        <a:srgbClr val="F3316C"/>
       </a:accent6>
       <a:hlink>
         <a:srgbClr val="0563C1"/>
